--- a/Demo/Food image classification.pptx
+++ b/Demo/Food image classification.pptx
@@ -17,6 +17,7 @@
     <p:sldId id="261" r:id="rId11"/>
     <p:sldId id="268" r:id="rId12"/>
     <p:sldId id="269" r:id="rId13"/>
+    <p:sldId id="270" r:id="rId14"/>
   </p:sldIdLst>
   <p:sldSz cx="12192000" cy="6858000"/>
   <p:notesSz cx="6858000" cy="9144000"/>
@@ -13600,6 +13601,13 @@
   <p:clrMapOvr>
     <a:masterClrMapping/>
   </p:clrMapOvr>
+  <p:timing>
+    <p:tnLst>
+      <p:par>
+        <p:cTn id="1" dur="indefinite" restart="never" nodeType="tmRoot"/>
+      </p:par>
+    </p:tnLst>
+  </p:timing>
 </p:sld>
 </file>
 
@@ -13903,6 +13911,74 @@
   <p:clrMapOvr>
     <a:masterClrMapping/>
   </p:clrMapOvr>
+  <p:timing>
+    <p:tnLst>
+      <p:par>
+        <p:cTn id="1" dur="indefinite" restart="never" nodeType="tmRoot"/>
+      </p:par>
+    </p:tnLst>
+  </p:timing>
+</p:sld>
+</file>
+
+<file path=ppt/slides/slide13.xml><?xml version="1.0" encoding="utf-8"?>
+<p:sld xmlns:a="http://schemas.openxmlformats.org/drawingml/2006/main" xmlns:r="http://schemas.openxmlformats.org/officeDocument/2006/relationships" xmlns:p="http://schemas.openxmlformats.org/presentationml/2006/main">
+  <p:cSld>
+    <p:spTree>
+      <p:nvGrpSpPr>
+        <p:cNvPr id="1" name=""/>
+        <p:cNvGrpSpPr/>
+        <p:nvPr/>
+      </p:nvGrpSpPr>
+      <p:grpSpPr>
+        <a:xfrm>
+          <a:off x="0" y="0"/>
+          <a:ext cx="0" cy="0"/>
+          <a:chOff x="0" y="0"/>
+          <a:chExt cx="0" cy="0"/>
+        </a:xfrm>
+      </p:grpSpPr>
+      <p:sp>
+        <p:nvSpPr>
+          <p:cNvPr id="2" name="Title 1"/>
+          <p:cNvSpPr>
+            <a:spLocks noGrp="1"/>
+          </p:cNvSpPr>
+          <p:nvPr>
+            <p:ph type="title"/>
+          </p:nvPr>
+        </p:nvSpPr>
+        <p:spPr>
+          <a:xfrm>
+            <a:off x="770467" y="2566459"/>
+            <a:ext cx="10515600" cy="1779764"/>
+          </a:xfrm>
+        </p:spPr>
+        <p:txBody>
+          <a:bodyPr>
+            <a:noAutofit/>
+          </a:bodyPr>
+          <a:lstStyle/>
+          <a:p>
+            <a:pPr algn="ctr"/>
+            <a:r>
+              <a:rPr lang="en-US" sz="11500" dirty="0" smtClean="0"/>
+              <a:t>Thank You!</a:t>
+            </a:r>
+            <a:endParaRPr lang="en-US" sz="11500" dirty="0"/>
+          </a:p>
+        </p:txBody>
+      </p:sp>
+    </p:spTree>
+    <p:extLst>
+      <p:ext uri="{BB962C8B-B14F-4D97-AF65-F5344CB8AC3E}">
+        <p14:creationId xmlns:p14="http://schemas.microsoft.com/office/powerpoint/2010/main" val="226652710"/>
+      </p:ext>
+    </p:extLst>
+  </p:cSld>
+  <p:clrMapOvr>
+    <a:masterClrMapping/>
+  </p:clrMapOvr>
 </p:sld>
 </file>
 
@@ -14023,6 +14099,13 @@
   <p:clrMapOvr>
     <a:masterClrMapping/>
   </p:clrMapOvr>
+  <p:timing>
+    <p:tnLst>
+      <p:par>
+        <p:cTn id="1" dur="indefinite" restart="never" nodeType="tmRoot"/>
+      </p:par>
+    </p:tnLst>
+  </p:timing>
 </p:sld>
 </file>
 
@@ -14113,6 +14196,13 @@
   <p:clrMapOvr>
     <a:masterClrMapping/>
   </p:clrMapOvr>
+  <p:timing>
+    <p:tnLst>
+      <p:par>
+        <p:cTn id="1" dur="indefinite" restart="never" nodeType="tmRoot"/>
+      </p:par>
+    </p:tnLst>
+  </p:timing>
 </p:sld>
 </file>
 
@@ -14238,6 +14328,13 @@
   <p:clrMapOvr>
     <a:masterClrMapping/>
   </p:clrMapOvr>
+  <p:timing>
+    <p:tnLst>
+      <p:par>
+        <p:cTn id="1" dur="indefinite" restart="never" nodeType="tmRoot"/>
+      </p:par>
+    </p:tnLst>
+  </p:timing>
 </p:sld>
 </file>
 
@@ -14387,6 +14484,13 @@
   <p:clrMapOvr>
     <a:masterClrMapping/>
   </p:clrMapOvr>
+  <p:timing>
+    <p:tnLst>
+      <p:par>
+        <p:cTn id="1" dur="indefinite" restart="never" nodeType="tmRoot"/>
+      </p:par>
+    </p:tnLst>
+  </p:timing>
 </p:sld>
 </file>
 
@@ -14583,6 +14687,13 @@
   <p:clrMapOvr>
     <a:masterClrMapping/>
   </p:clrMapOvr>
+  <p:timing>
+    <p:tnLst>
+      <p:par>
+        <p:cTn id="1" dur="indefinite" restart="never" nodeType="tmRoot"/>
+      </p:par>
+    </p:tnLst>
+  </p:timing>
 </p:sld>
 </file>
 
@@ -14679,6 +14790,13 @@
   <p:clrMapOvr>
     <a:masterClrMapping/>
   </p:clrMapOvr>
+  <p:timing>
+    <p:tnLst>
+      <p:par>
+        <p:cTn id="1" dur="indefinite" restart="never" nodeType="tmRoot"/>
+      </p:par>
+    </p:tnLst>
+  </p:timing>
 </p:sld>
 </file>
 
@@ -15069,6 +15187,13 @@
   <p:clrMapOvr>
     <a:masterClrMapping/>
   </p:clrMapOvr>
+  <p:timing>
+    <p:tnLst>
+      <p:par>
+        <p:cTn id="1" dur="indefinite" restart="never" nodeType="tmRoot"/>
+      </p:par>
+    </p:tnLst>
+  </p:timing>
 </p:sld>
 </file>
 
@@ -15158,6 +15283,13 @@
   <p:clrMapOvr>
     <a:masterClrMapping/>
   </p:clrMapOvr>
+  <p:timing>
+    <p:tnLst>
+      <p:par>
+        <p:cTn id="1" dur="indefinite" restart="never" nodeType="tmRoot"/>
+      </p:par>
+    </p:tnLst>
+  </p:timing>
 </p:sld>
 </file>
 

--- a/Demo/Food image classification.pptx
+++ b/Demo/Food image classification.pptx
@@ -2680,13 +2680,6 @@
         </dgm:presLayoutVars>
       </dgm:prSet>
       <dgm:spPr/>
-      <dgm:t>
-        <a:bodyPr/>
-        <a:lstStyle/>
-        <a:p>
-          <a:endParaRPr lang="en-US"/>
-        </a:p>
-      </dgm:t>
     </dgm:pt>
     <dgm:pt modelId="{02637D9C-A960-4B41-9F1C-9CA948F8EA64}" type="pres">
       <dgm:prSet presAssocID="{123D657C-F612-4B7B-9139-2E9ED766C1EB}" presName="composite" presStyleCnt="0"/>
@@ -2700,13 +2693,6 @@
         </dgm:presLayoutVars>
       </dgm:prSet>
       <dgm:spPr/>
-      <dgm:t>
-        <a:bodyPr/>
-        <a:lstStyle/>
-        <a:p>
-          <a:endParaRPr lang="en-US"/>
-        </a:p>
-      </dgm:t>
     </dgm:pt>
     <dgm:pt modelId="{ABC29AC8-A386-4691-853C-2933C21F47B1}" type="pres">
       <dgm:prSet presAssocID="{123D657C-F612-4B7B-9139-2E9ED766C1EB}" presName="descendantText" presStyleLbl="alignAcc1" presStyleIdx="0" presStyleCnt="4">
@@ -2715,13 +2701,6 @@
         </dgm:presLayoutVars>
       </dgm:prSet>
       <dgm:spPr/>
-      <dgm:t>
-        <a:bodyPr/>
-        <a:lstStyle/>
-        <a:p>
-          <a:endParaRPr lang="en-US"/>
-        </a:p>
-      </dgm:t>
     </dgm:pt>
     <dgm:pt modelId="{0D2CAEA8-6ADD-4691-AB37-DAB164BD5137}" type="pres">
       <dgm:prSet presAssocID="{FF560CAF-1AA5-45CB-983B-B544582BBD49}" presName="sp" presStyleCnt="0"/>
@@ -2739,13 +2718,6 @@
         </dgm:presLayoutVars>
       </dgm:prSet>
       <dgm:spPr/>
-      <dgm:t>
-        <a:bodyPr/>
-        <a:lstStyle/>
-        <a:p>
-          <a:endParaRPr lang="en-US"/>
-        </a:p>
-      </dgm:t>
     </dgm:pt>
     <dgm:pt modelId="{14E3FE33-9A55-48DA-9069-032F908F9BD6}" type="pres">
       <dgm:prSet presAssocID="{72F061D7-94C7-4714-AB9A-48A10A64DDB7}" presName="descendantText" presStyleLbl="alignAcc1" presStyleIdx="1" presStyleCnt="4">
@@ -2754,13 +2726,6 @@
         </dgm:presLayoutVars>
       </dgm:prSet>
       <dgm:spPr/>
-      <dgm:t>
-        <a:bodyPr/>
-        <a:lstStyle/>
-        <a:p>
-          <a:endParaRPr lang="en-US"/>
-        </a:p>
-      </dgm:t>
     </dgm:pt>
     <dgm:pt modelId="{E755B0F8-20E2-4523-94CE-691F1D3AF153}" type="pres">
       <dgm:prSet presAssocID="{FA30737A-E318-4E0A-AD6C-CB4840AAE8EA}" presName="sp" presStyleCnt="0"/>
@@ -2778,13 +2743,6 @@
         </dgm:presLayoutVars>
       </dgm:prSet>
       <dgm:spPr/>
-      <dgm:t>
-        <a:bodyPr/>
-        <a:lstStyle/>
-        <a:p>
-          <a:endParaRPr lang="en-US"/>
-        </a:p>
-      </dgm:t>
     </dgm:pt>
     <dgm:pt modelId="{5E6B47BE-1879-4F11-B511-4EB1CC39F0B0}" type="pres">
       <dgm:prSet presAssocID="{566B8628-A2B0-4C48-9523-FA97E89CCFE0}" presName="descendantText" presStyleLbl="alignAcc1" presStyleIdx="2" presStyleCnt="4">
@@ -2793,13 +2751,6 @@
         </dgm:presLayoutVars>
       </dgm:prSet>
       <dgm:spPr/>
-      <dgm:t>
-        <a:bodyPr/>
-        <a:lstStyle/>
-        <a:p>
-          <a:endParaRPr lang="en-US"/>
-        </a:p>
-      </dgm:t>
     </dgm:pt>
     <dgm:pt modelId="{BF29FDA4-B25A-4FCA-B377-C6F3BA92DEB1}" type="pres">
       <dgm:prSet presAssocID="{A3C8102F-E480-49F8-A76C-F2B22F60A814}" presName="sp" presStyleCnt="0"/>
@@ -2817,13 +2768,6 @@
         </dgm:presLayoutVars>
       </dgm:prSet>
       <dgm:spPr/>
-      <dgm:t>
-        <a:bodyPr/>
-        <a:lstStyle/>
-        <a:p>
-          <a:endParaRPr lang="en-US"/>
-        </a:p>
-      </dgm:t>
     </dgm:pt>
     <dgm:pt modelId="{16BD8B98-D9F0-4426-9A32-8FC752C746F7}" type="pres">
       <dgm:prSet presAssocID="{636816DC-87B1-4FFB-867E-BBE061841ABD}" presName="descendantText" presStyleLbl="alignAcc1" presStyleIdx="3" presStyleCnt="4">
@@ -2832,33 +2776,26 @@
         </dgm:presLayoutVars>
       </dgm:prSet>
       <dgm:spPr/>
-      <dgm:t>
-        <a:bodyPr/>
-        <a:lstStyle/>
-        <a:p>
-          <a:endParaRPr lang="en-US"/>
-        </a:p>
-      </dgm:t>
     </dgm:pt>
   </dgm:ptLst>
   <dgm:cxnLst>
+    <dgm:cxn modelId="{19B36318-8445-453B-BCD0-3A5014CDC74C}" srcId="{566B8628-A2B0-4C48-9523-FA97E89CCFE0}" destId="{9450EBF9-C308-4970-852A-FCDFD650ABAF}" srcOrd="0" destOrd="0" parTransId="{EF1BC739-245B-4610-BAEC-82E1A4C6E829}" sibTransId="{4CD95D47-4426-4B41-9BBE-5E556D2605CF}"/>
+    <dgm:cxn modelId="{7015D93D-076D-40C7-87FF-57EF17A605FC}" type="presOf" srcId="{BFB7A6F8-E239-424B-BB9A-2C360B9204C0}" destId="{79CB5075-BA48-4B21-A973-48ED0D57125C}" srcOrd="0" destOrd="0" presId="urn:microsoft.com/office/officeart/2005/8/layout/chevron2"/>
+    <dgm:cxn modelId="{10973F67-2F06-4972-9065-5A2EE735FE96}" srcId="{636816DC-87B1-4FFB-867E-BBE061841ABD}" destId="{A77E825B-A4BB-4CF7-8351-C001A1779FED}" srcOrd="0" destOrd="0" parTransId="{B34CAA83-0BB6-44C2-8A3E-71294C96D3DE}" sibTransId="{18FD56A3-5934-4DA6-A8DB-0096EDF51483}"/>
+    <dgm:cxn modelId="{5E7F2D6E-7063-4FCE-8051-C7F2AE073B3A}" type="presOf" srcId="{56E24188-B477-4232-9836-45008C24CD4D}" destId="{14E3FE33-9A55-48DA-9069-032F908F9BD6}" srcOrd="0" destOrd="0" presId="urn:microsoft.com/office/officeart/2005/8/layout/chevron2"/>
     <dgm:cxn modelId="{C8EBF77A-3638-44D4-9D3E-D2E45D09421C}" srcId="{BFB7A6F8-E239-424B-BB9A-2C360B9204C0}" destId="{123D657C-F612-4B7B-9139-2E9ED766C1EB}" srcOrd="0" destOrd="0" parTransId="{1F033579-0063-446F-9104-40DB03849A5C}" sibTransId="{FF560CAF-1AA5-45CB-983B-B544582BBD49}"/>
+    <dgm:cxn modelId="{9E27457F-1F95-42CE-8ECF-49037E80381E}" type="presOf" srcId="{A29652BD-F85A-49A4-8894-D26179FD2791}" destId="{ABC29AC8-A386-4691-853C-2933C21F47B1}" srcOrd="0" destOrd="0" presId="urn:microsoft.com/office/officeart/2005/8/layout/chevron2"/>
+    <dgm:cxn modelId="{EB689D83-DD11-4471-8DB0-3D4C08BFA344}" type="presOf" srcId="{72F061D7-94C7-4714-AB9A-48A10A64DDB7}" destId="{D6EC95C1-3276-43A4-BE1E-167790E00098}" srcOrd="0" destOrd="0" presId="urn:microsoft.com/office/officeart/2005/8/layout/chevron2"/>
+    <dgm:cxn modelId="{7D783C93-F988-4A49-9636-88B13E8E9BA7}" srcId="{BFB7A6F8-E239-424B-BB9A-2C360B9204C0}" destId="{566B8628-A2B0-4C48-9523-FA97E89CCFE0}" srcOrd="2" destOrd="0" parTransId="{AB3FC260-F1E7-462A-BBA0-CED448853EBD}" sibTransId="{A3C8102F-E480-49F8-A76C-F2B22F60A814}"/>
+    <dgm:cxn modelId="{DAECF793-5525-4C73-A1EF-86E3C1C25C3D}" type="presOf" srcId="{123D657C-F612-4B7B-9139-2E9ED766C1EB}" destId="{1378324E-114E-4A2C-B5AC-7BFE54FF2DE7}" srcOrd="0" destOrd="0" presId="urn:microsoft.com/office/officeart/2005/8/layout/chevron2"/>
+    <dgm:cxn modelId="{ECC4B3BA-DFA7-4981-83A4-1C2A41A32834}" srcId="{123D657C-F612-4B7B-9139-2E9ED766C1EB}" destId="{A29652BD-F85A-49A4-8894-D26179FD2791}" srcOrd="0" destOrd="0" parTransId="{78BF352C-27A3-4EB7-849D-DAB5071F2A9E}" sibTransId="{6EB9DD74-5700-4EC1-96A3-440681F4FCF4}"/>
+    <dgm:cxn modelId="{7A3B94BC-EC21-417E-BF7E-F8C460224DB5}" type="presOf" srcId="{A77E825B-A4BB-4CF7-8351-C001A1779FED}" destId="{16BD8B98-D9F0-4426-9A32-8FC752C746F7}" srcOrd="0" destOrd="0" presId="urn:microsoft.com/office/officeart/2005/8/layout/chevron2"/>
+    <dgm:cxn modelId="{415EEFBC-3D45-4E0B-B568-9F2A6DE21516}" srcId="{72F061D7-94C7-4714-AB9A-48A10A64DDB7}" destId="{56E24188-B477-4232-9836-45008C24CD4D}" srcOrd="0" destOrd="0" parTransId="{E37A8C4A-04AB-4C96-9B59-E27E97289B3A}" sibTransId="{006056A8-2488-4228-A240-A8F44B6E2741}"/>
+    <dgm:cxn modelId="{3E6C0DD3-208C-48B3-8B60-EB8E349CAC7A}" type="presOf" srcId="{636816DC-87B1-4FFB-867E-BBE061841ABD}" destId="{52C7AC44-4E7C-4C15-83FD-3E867BF175A7}" srcOrd="0" destOrd="0" presId="urn:microsoft.com/office/officeart/2005/8/layout/chevron2"/>
+    <dgm:cxn modelId="{752FDFDF-7C5E-404A-A1A0-A0780001F02B}" srcId="{BFB7A6F8-E239-424B-BB9A-2C360B9204C0}" destId="{72F061D7-94C7-4714-AB9A-48A10A64DDB7}" srcOrd="1" destOrd="0" parTransId="{742BF0DB-6031-46F0-B358-98382C48E02F}" sibTransId="{FA30737A-E318-4E0A-AD6C-CB4840AAE8EA}"/>
+    <dgm:cxn modelId="{176734E7-0B0C-42F9-BEF4-E0729A5B2C55}" type="presOf" srcId="{9450EBF9-C308-4970-852A-FCDFD650ABAF}" destId="{5E6B47BE-1879-4F11-B511-4EB1CC39F0B0}" srcOrd="0" destOrd="0" presId="urn:microsoft.com/office/officeart/2005/8/layout/chevron2"/>
     <dgm:cxn modelId="{F286E7ED-722B-446D-84B2-803840078F5D}" srcId="{BFB7A6F8-E239-424B-BB9A-2C360B9204C0}" destId="{636816DC-87B1-4FFB-867E-BBE061841ABD}" srcOrd="3" destOrd="0" parTransId="{D6A35670-69D6-495A-B79A-C375BDE06D3B}" sibTransId="{3BB301D1-EE70-46BD-9A62-FE6E7B681F1E}"/>
     <dgm:cxn modelId="{62C7D1F4-7855-4404-BF57-5386F87EAC7B}" type="presOf" srcId="{566B8628-A2B0-4C48-9523-FA97E89CCFE0}" destId="{F49734FD-3E2A-4EBE-9998-F3C81CF274E0}" srcOrd="0" destOrd="0" presId="urn:microsoft.com/office/officeart/2005/8/layout/chevron2"/>
-    <dgm:cxn modelId="{176734E7-0B0C-42F9-BEF4-E0729A5B2C55}" type="presOf" srcId="{9450EBF9-C308-4970-852A-FCDFD650ABAF}" destId="{5E6B47BE-1879-4F11-B511-4EB1CC39F0B0}" srcOrd="0" destOrd="0" presId="urn:microsoft.com/office/officeart/2005/8/layout/chevron2"/>
-    <dgm:cxn modelId="{7A3B94BC-EC21-417E-BF7E-F8C460224DB5}" type="presOf" srcId="{A77E825B-A4BB-4CF7-8351-C001A1779FED}" destId="{16BD8B98-D9F0-4426-9A32-8FC752C746F7}" srcOrd="0" destOrd="0" presId="urn:microsoft.com/office/officeart/2005/8/layout/chevron2"/>
-    <dgm:cxn modelId="{ECC4B3BA-DFA7-4981-83A4-1C2A41A32834}" srcId="{123D657C-F612-4B7B-9139-2E9ED766C1EB}" destId="{A29652BD-F85A-49A4-8894-D26179FD2791}" srcOrd="0" destOrd="0" parTransId="{78BF352C-27A3-4EB7-849D-DAB5071F2A9E}" sibTransId="{6EB9DD74-5700-4EC1-96A3-440681F4FCF4}"/>
-    <dgm:cxn modelId="{DAECF793-5525-4C73-A1EF-86E3C1C25C3D}" type="presOf" srcId="{123D657C-F612-4B7B-9139-2E9ED766C1EB}" destId="{1378324E-114E-4A2C-B5AC-7BFE54FF2DE7}" srcOrd="0" destOrd="0" presId="urn:microsoft.com/office/officeart/2005/8/layout/chevron2"/>
-    <dgm:cxn modelId="{752FDFDF-7C5E-404A-A1A0-A0780001F02B}" srcId="{BFB7A6F8-E239-424B-BB9A-2C360B9204C0}" destId="{72F061D7-94C7-4714-AB9A-48A10A64DDB7}" srcOrd="1" destOrd="0" parTransId="{742BF0DB-6031-46F0-B358-98382C48E02F}" sibTransId="{FA30737A-E318-4E0A-AD6C-CB4840AAE8EA}"/>
-    <dgm:cxn modelId="{7015D93D-076D-40C7-87FF-57EF17A605FC}" type="presOf" srcId="{BFB7A6F8-E239-424B-BB9A-2C360B9204C0}" destId="{79CB5075-BA48-4B21-A973-48ED0D57125C}" srcOrd="0" destOrd="0" presId="urn:microsoft.com/office/officeart/2005/8/layout/chevron2"/>
-    <dgm:cxn modelId="{7D783C93-F988-4A49-9636-88B13E8E9BA7}" srcId="{BFB7A6F8-E239-424B-BB9A-2C360B9204C0}" destId="{566B8628-A2B0-4C48-9523-FA97E89CCFE0}" srcOrd="2" destOrd="0" parTransId="{AB3FC260-F1E7-462A-BBA0-CED448853EBD}" sibTransId="{A3C8102F-E480-49F8-A76C-F2B22F60A814}"/>
-    <dgm:cxn modelId="{10973F67-2F06-4972-9065-5A2EE735FE96}" srcId="{636816DC-87B1-4FFB-867E-BBE061841ABD}" destId="{A77E825B-A4BB-4CF7-8351-C001A1779FED}" srcOrd="0" destOrd="0" parTransId="{B34CAA83-0BB6-44C2-8A3E-71294C96D3DE}" sibTransId="{18FD56A3-5934-4DA6-A8DB-0096EDF51483}"/>
-    <dgm:cxn modelId="{EB689D83-DD11-4471-8DB0-3D4C08BFA344}" type="presOf" srcId="{72F061D7-94C7-4714-AB9A-48A10A64DDB7}" destId="{D6EC95C1-3276-43A4-BE1E-167790E00098}" srcOrd="0" destOrd="0" presId="urn:microsoft.com/office/officeart/2005/8/layout/chevron2"/>
-    <dgm:cxn modelId="{5E7F2D6E-7063-4FCE-8051-C7F2AE073B3A}" type="presOf" srcId="{56E24188-B477-4232-9836-45008C24CD4D}" destId="{14E3FE33-9A55-48DA-9069-032F908F9BD6}" srcOrd="0" destOrd="0" presId="urn:microsoft.com/office/officeart/2005/8/layout/chevron2"/>
-    <dgm:cxn modelId="{3E6C0DD3-208C-48B3-8B60-EB8E349CAC7A}" type="presOf" srcId="{636816DC-87B1-4FFB-867E-BBE061841ABD}" destId="{52C7AC44-4E7C-4C15-83FD-3E867BF175A7}" srcOrd="0" destOrd="0" presId="urn:microsoft.com/office/officeart/2005/8/layout/chevron2"/>
-    <dgm:cxn modelId="{415EEFBC-3D45-4E0B-B568-9F2A6DE21516}" srcId="{72F061D7-94C7-4714-AB9A-48A10A64DDB7}" destId="{56E24188-B477-4232-9836-45008C24CD4D}" srcOrd="0" destOrd="0" parTransId="{E37A8C4A-04AB-4C96-9B59-E27E97289B3A}" sibTransId="{006056A8-2488-4228-A240-A8F44B6E2741}"/>
-    <dgm:cxn modelId="{19B36318-8445-453B-BCD0-3A5014CDC74C}" srcId="{566B8628-A2B0-4C48-9523-FA97E89CCFE0}" destId="{9450EBF9-C308-4970-852A-FCDFD650ABAF}" srcOrd="0" destOrd="0" parTransId="{EF1BC739-245B-4610-BAEC-82E1A4C6E829}" sibTransId="{4CD95D47-4426-4B41-9BBE-5E556D2605CF}"/>
-    <dgm:cxn modelId="{9E27457F-1F95-42CE-8ECF-49037E80381E}" type="presOf" srcId="{A29652BD-F85A-49A4-8894-D26179FD2791}" destId="{ABC29AC8-A386-4691-853C-2933C21F47B1}" srcOrd="0" destOrd="0" presId="urn:microsoft.com/office/officeart/2005/8/layout/chevron2"/>
     <dgm:cxn modelId="{C6A180BC-4F6D-47E9-AF43-9309F529CA67}" type="presParOf" srcId="{79CB5075-BA48-4B21-A973-48ED0D57125C}" destId="{02637D9C-A960-4B41-9F1C-9CA948F8EA64}" srcOrd="0" destOrd="0" presId="urn:microsoft.com/office/officeart/2005/8/layout/chevron2"/>
     <dgm:cxn modelId="{7BC77A33-304B-4F39-857C-484A8099A99E}" type="presParOf" srcId="{02637D9C-A960-4B41-9F1C-9CA948F8EA64}" destId="{1378324E-114E-4A2C-B5AC-7BFE54FF2DE7}" srcOrd="0" destOrd="0" presId="urn:microsoft.com/office/officeart/2005/8/layout/chevron2"/>
     <dgm:cxn modelId="{B36D7E91-5E7E-4DD7-81C3-544FD70948A5}" type="presParOf" srcId="{02637D9C-A960-4B41-9F1C-9CA948F8EA64}" destId="{ABC29AC8-A386-4691-853C-2933C21F47B1}" srcOrd="1" destOrd="0" presId="urn:microsoft.com/office/officeart/2005/8/layout/chevron2"/>
@@ -3160,13 +3097,8 @@
         <a:p>
           <a:r>
             <a:rPr lang="en-US" dirty="0"/>
-            <a:t>Applied the SVM algorithm </a:t>
+            <a:t>Applied the SVM/GB algorithm to train and test the randomized image samples</a:t>
           </a:r>
-          <a:r>
-            <a:rPr lang="en-US" dirty="0" smtClean="0"/>
-            <a:t>to train and test the randomized image samples</a:t>
-          </a:r>
-          <a:endParaRPr lang="en-US" dirty="0"/>
         </a:p>
       </dgm:t>
     </dgm:pt>
@@ -3201,13 +3133,6 @@
         </dgm:presLayoutVars>
       </dgm:prSet>
       <dgm:spPr/>
-      <dgm:t>
-        <a:bodyPr/>
-        <a:lstStyle/>
-        <a:p>
-          <a:endParaRPr lang="en-US"/>
-        </a:p>
-      </dgm:t>
     </dgm:pt>
     <dgm:pt modelId="{02637D9C-A960-4B41-9F1C-9CA948F8EA64}" type="pres">
       <dgm:prSet presAssocID="{123D657C-F612-4B7B-9139-2E9ED766C1EB}" presName="composite" presStyleCnt="0"/>
@@ -3221,13 +3146,6 @@
         </dgm:presLayoutVars>
       </dgm:prSet>
       <dgm:spPr/>
-      <dgm:t>
-        <a:bodyPr/>
-        <a:lstStyle/>
-        <a:p>
-          <a:endParaRPr lang="en-US"/>
-        </a:p>
-      </dgm:t>
     </dgm:pt>
     <dgm:pt modelId="{ABC29AC8-A386-4691-853C-2933C21F47B1}" type="pres">
       <dgm:prSet presAssocID="{123D657C-F612-4B7B-9139-2E9ED766C1EB}" presName="descendantText" presStyleLbl="alignAcc1" presStyleIdx="0" presStyleCnt="4">
@@ -3236,13 +3154,6 @@
         </dgm:presLayoutVars>
       </dgm:prSet>
       <dgm:spPr/>
-      <dgm:t>
-        <a:bodyPr/>
-        <a:lstStyle/>
-        <a:p>
-          <a:endParaRPr lang="en-US"/>
-        </a:p>
-      </dgm:t>
     </dgm:pt>
     <dgm:pt modelId="{0D2CAEA8-6ADD-4691-AB37-DAB164BD5137}" type="pres">
       <dgm:prSet presAssocID="{FF560CAF-1AA5-45CB-983B-B544582BBD49}" presName="sp" presStyleCnt="0"/>
@@ -3260,13 +3171,6 @@
         </dgm:presLayoutVars>
       </dgm:prSet>
       <dgm:spPr/>
-      <dgm:t>
-        <a:bodyPr/>
-        <a:lstStyle/>
-        <a:p>
-          <a:endParaRPr lang="en-US"/>
-        </a:p>
-      </dgm:t>
     </dgm:pt>
     <dgm:pt modelId="{14E3FE33-9A55-48DA-9069-032F908F9BD6}" type="pres">
       <dgm:prSet presAssocID="{72F061D7-94C7-4714-AB9A-48A10A64DDB7}" presName="descendantText" presStyleLbl="alignAcc1" presStyleIdx="1" presStyleCnt="4">
@@ -3275,13 +3179,6 @@
         </dgm:presLayoutVars>
       </dgm:prSet>
       <dgm:spPr/>
-      <dgm:t>
-        <a:bodyPr/>
-        <a:lstStyle/>
-        <a:p>
-          <a:endParaRPr lang="en-US"/>
-        </a:p>
-      </dgm:t>
     </dgm:pt>
     <dgm:pt modelId="{E755B0F8-20E2-4523-94CE-691F1D3AF153}" type="pres">
       <dgm:prSet presAssocID="{FA30737A-E318-4E0A-AD6C-CB4840AAE8EA}" presName="sp" presStyleCnt="0"/>
@@ -3299,13 +3196,6 @@
         </dgm:presLayoutVars>
       </dgm:prSet>
       <dgm:spPr/>
-      <dgm:t>
-        <a:bodyPr/>
-        <a:lstStyle/>
-        <a:p>
-          <a:endParaRPr lang="en-US"/>
-        </a:p>
-      </dgm:t>
     </dgm:pt>
     <dgm:pt modelId="{5E6B47BE-1879-4F11-B511-4EB1CC39F0B0}" type="pres">
       <dgm:prSet presAssocID="{566B8628-A2B0-4C48-9523-FA97E89CCFE0}" presName="descendantText" presStyleLbl="alignAcc1" presStyleIdx="2" presStyleCnt="4">
@@ -3314,13 +3204,6 @@
         </dgm:presLayoutVars>
       </dgm:prSet>
       <dgm:spPr/>
-      <dgm:t>
-        <a:bodyPr/>
-        <a:lstStyle/>
-        <a:p>
-          <a:endParaRPr lang="en-US"/>
-        </a:p>
-      </dgm:t>
     </dgm:pt>
     <dgm:pt modelId="{BF29FDA4-B25A-4FCA-B377-C6F3BA92DEB1}" type="pres">
       <dgm:prSet presAssocID="{A3C8102F-E480-49F8-A76C-F2B22F60A814}" presName="sp" presStyleCnt="0"/>
@@ -3338,13 +3221,6 @@
         </dgm:presLayoutVars>
       </dgm:prSet>
       <dgm:spPr/>
-      <dgm:t>
-        <a:bodyPr/>
-        <a:lstStyle/>
-        <a:p>
-          <a:endParaRPr lang="en-US"/>
-        </a:p>
-      </dgm:t>
     </dgm:pt>
     <dgm:pt modelId="{16BD8B98-D9F0-4426-9A32-8FC752C746F7}" type="pres">
       <dgm:prSet presAssocID="{636816DC-87B1-4FFB-867E-BBE061841ABD}" presName="descendantText" presStyleLbl="alignAcc1" presStyleIdx="3" presStyleCnt="4">
@@ -3353,33 +3229,26 @@
         </dgm:presLayoutVars>
       </dgm:prSet>
       <dgm:spPr/>
-      <dgm:t>
-        <a:bodyPr/>
-        <a:lstStyle/>
-        <a:p>
-          <a:endParaRPr lang="en-US"/>
-        </a:p>
-      </dgm:t>
     </dgm:pt>
   </dgm:ptLst>
   <dgm:cxnLst>
+    <dgm:cxn modelId="{19B36318-8445-453B-BCD0-3A5014CDC74C}" srcId="{566B8628-A2B0-4C48-9523-FA97E89CCFE0}" destId="{9450EBF9-C308-4970-852A-FCDFD650ABAF}" srcOrd="0" destOrd="0" parTransId="{EF1BC739-245B-4610-BAEC-82E1A4C6E829}" sibTransId="{4CD95D47-4426-4B41-9BBE-5E556D2605CF}"/>
+    <dgm:cxn modelId="{7015D93D-076D-40C7-87FF-57EF17A605FC}" type="presOf" srcId="{BFB7A6F8-E239-424B-BB9A-2C360B9204C0}" destId="{79CB5075-BA48-4B21-A973-48ED0D57125C}" srcOrd="0" destOrd="0" presId="urn:microsoft.com/office/officeart/2005/8/layout/chevron2"/>
+    <dgm:cxn modelId="{10973F67-2F06-4972-9065-5A2EE735FE96}" srcId="{636816DC-87B1-4FFB-867E-BBE061841ABD}" destId="{A77E825B-A4BB-4CF7-8351-C001A1779FED}" srcOrd="0" destOrd="0" parTransId="{B34CAA83-0BB6-44C2-8A3E-71294C96D3DE}" sibTransId="{18FD56A3-5934-4DA6-A8DB-0096EDF51483}"/>
+    <dgm:cxn modelId="{5E7F2D6E-7063-4FCE-8051-C7F2AE073B3A}" type="presOf" srcId="{56E24188-B477-4232-9836-45008C24CD4D}" destId="{14E3FE33-9A55-48DA-9069-032F908F9BD6}" srcOrd="0" destOrd="0" presId="urn:microsoft.com/office/officeart/2005/8/layout/chevron2"/>
     <dgm:cxn modelId="{C8EBF77A-3638-44D4-9D3E-D2E45D09421C}" srcId="{BFB7A6F8-E239-424B-BB9A-2C360B9204C0}" destId="{123D657C-F612-4B7B-9139-2E9ED766C1EB}" srcOrd="0" destOrd="0" parTransId="{1F033579-0063-446F-9104-40DB03849A5C}" sibTransId="{FF560CAF-1AA5-45CB-983B-B544582BBD49}"/>
+    <dgm:cxn modelId="{9E27457F-1F95-42CE-8ECF-49037E80381E}" type="presOf" srcId="{A29652BD-F85A-49A4-8894-D26179FD2791}" destId="{ABC29AC8-A386-4691-853C-2933C21F47B1}" srcOrd="0" destOrd="0" presId="urn:microsoft.com/office/officeart/2005/8/layout/chevron2"/>
+    <dgm:cxn modelId="{EB689D83-DD11-4471-8DB0-3D4C08BFA344}" type="presOf" srcId="{72F061D7-94C7-4714-AB9A-48A10A64DDB7}" destId="{D6EC95C1-3276-43A4-BE1E-167790E00098}" srcOrd="0" destOrd="0" presId="urn:microsoft.com/office/officeart/2005/8/layout/chevron2"/>
+    <dgm:cxn modelId="{7D783C93-F988-4A49-9636-88B13E8E9BA7}" srcId="{BFB7A6F8-E239-424B-BB9A-2C360B9204C0}" destId="{566B8628-A2B0-4C48-9523-FA97E89CCFE0}" srcOrd="2" destOrd="0" parTransId="{AB3FC260-F1E7-462A-BBA0-CED448853EBD}" sibTransId="{A3C8102F-E480-49F8-A76C-F2B22F60A814}"/>
+    <dgm:cxn modelId="{DAECF793-5525-4C73-A1EF-86E3C1C25C3D}" type="presOf" srcId="{123D657C-F612-4B7B-9139-2E9ED766C1EB}" destId="{1378324E-114E-4A2C-B5AC-7BFE54FF2DE7}" srcOrd="0" destOrd="0" presId="urn:microsoft.com/office/officeart/2005/8/layout/chevron2"/>
+    <dgm:cxn modelId="{ECC4B3BA-DFA7-4981-83A4-1C2A41A32834}" srcId="{123D657C-F612-4B7B-9139-2E9ED766C1EB}" destId="{A29652BD-F85A-49A4-8894-D26179FD2791}" srcOrd="0" destOrd="0" parTransId="{78BF352C-27A3-4EB7-849D-DAB5071F2A9E}" sibTransId="{6EB9DD74-5700-4EC1-96A3-440681F4FCF4}"/>
+    <dgm:cxn modelId="{7A3B94BC-EC21-417E-BF7E-F8C460224DB5}" type="presOf" srcId="{A77E825B-A4BB-4CF7-8351-C001A1779FED}" destId="{16BD8B98-D9F0-4426-9A32-8FC752C746F7}" srcOrd="0" destOrd="0" presId="urn:microsoft.com/office/officeart/2005/8/layout/chevron2"/>
+    <dgm:cxn modelId="{415EEFBC-3D45-4E0B-B568-9F2A6DE21516}" srcId="{72F061D7-94C7-4714-AB9A-48A10A64DDB7}" destId="{56E24188-B477-4232-9836-45008C24CD4D}" srcOrd="0" destOrd="0" parTransId="{E37A8C4A-04AB-4C96-9B59-E27E97289B3A}" sibTransId="{006056A8-2488-4228-A240-A8F44B6E2741}"/>
+    <dgm:cxn modelId="{3E6C0DD3-208C-48B3-8B60-EB8E349CAC7A}" type="presOf" srcId="{636816DC-87B1-4FFB-867E-BBE061841ABD}" destId="{52C7AC44-4E7C-4C15-83FD-3E867BF175A7}" srcOrd="0" destOrd="0" presId="urn:microsoft.com/office/officeart/2005/8/layout/chevron2"/>
+    <dgm:cxn modelId="{752FDFDF-7C5E-404A-A1A0-A0780001F02B}" srcId="{BFB7A6F8-E239-424B-BB9A-2C360B9204C0}" destId="{72F061D7-94C7-4714-AB9A-48A10A64DDB7}" srcOrd="1" destOrd="0" parTransId="{742BF0DB-6031-46F0-B358-98382C48E02F}" sibTransId="{FA30737A-E318-4E0A-AD6C-CB4840AAE8EA}"/>
+    <dgm:cxn modelId="{176734E7-0B0C-42F9-BEF4-E0729A5B2C55}" type="presOf" srcId="{9450EBF9-C308-4970-852A-FCDFD650ABAF}" destId="{5E6B47BE-1879-4F11-B511-4EB1CC39F0B0}" srcOrd="0" destOrd="0" presId="urn:microsoft.com/office/officeart/2005/8/layout/chevron2"/>
     <dgm:cxn modelId="{F286E7ED-722B-446D-84B2-803840078F5D}" srcId="{BFB7A6F8-E239-424B-BB9A-2C360B9204C0}" destId="{636816DC-87B1-4FFB-867E-BBE061841ABD}" srcOrd="3" destOrd="0" parTransId="{D6A35670-69D6-495A-B79A-C375BDE06D3B}" sibTransId="{3BB301D1-EE70-46BD-9A62-FE6E7B681F1E}"/>
     <dgm:cxn modelId="{62C7D1F4-7855-4404-BF57-5386F87EAC7B}" type="presOf" srcId="{566B8628-A2B0-4C48-9523-FA97E89CCFE0}" destId="{F49734FD-3E2A-4EBE-9998-F3C81CF274E0}" srcOrd="0" destOrd="0" presId="urn:microsoft.com/office/officeart/2005/8/layout/chevron2"/>
-    <dgm:cxn modelId="{176734E7-0B0C-42F9-BEF4-E0729A5B2C55}" type="presOf" srcId="{9450EBF9-C308-4970-852A-FCDFD650ABAF}" destId="{5E6B47BE-1879-4F11-B511-4EB1CC39F0B0}" srcOrd="0" destOrd="0" presId="urn:microsoft.com/office/officeart/2005/8/layout/chevron2"/>
-    <dgm:cxn modelId="{7A3B94BC-EC21-417E-BF7E-F8C460224DB5}" type="presOf" srcId="{A77E825B-A4BB-4CF7-8351-C001A1779FED}" destId="{16BD8B98-D9F0-4426-9A32-8FC752C746F7}" srcOrd="0" destOrd="0" presId="urn:microsoft.com/office/officeart/2005/8/layout/chevron2"/>
-    <dgm:cxn modelId="{ECC4B3BA-DFA7-4981-83A4-1C2A41A32834}" srcId="{123D657C-F612-4B7B-9139-2E9ED766C1EB}" destId="{A29652BD-F85A-49A4-8894-D26179FD2791}" srcOrd="0" destOrd="0" parTransId="{78BF352C-27A3-4EB7-849D-DAB5071F2A9E}" sibTransId="{6EB9DD74-5700-4EC1-96A3-440681F4FCF4}"/>
-    <dgm:cxn modelId="{DAECF793-5525-4C73-A1EF-86E3C1C25C3D}" type="presOf" srcId="{123D657C-F612-4B7B-9139-2E9ED766C1EB}" destId="{1378324E-114E-4A2C-B5AC-7BFE54FF2DE7}" srcOrd="0" destOrd="0" presId="urn:microsoft.com/office/officeart/2005/8/layout/chevron2"/>
-    <dgm:cxn modelId="{752FDFDF-7C5E-404A-A1A0-A0780001F02B}" srcId="{BFB7A6F8-E239-424B-BB9A-2C360B9204C0}" destId="{72F061D7-94C7-4714-AB9A-48A10A64DDB7}" srcOrd="1" destOrd="0" parTransId="{742BF0DB-6031-46F0-B358-98382C48E02F}" sibTransId="{FA30737A-E318-4E0A-AD6C-CB4840AAE8EA}"/>
-    <dgm:cxn modelId="{7015D93D-076D-40C7-87FF-57EF17A605FC}" type="presOf" srcId="{BFB7A6F8-E239-424B-BB9A-2C360B9204C0}" destId="{79CB5075-BA48-4B21-A973-48ED0D57125C}" srcOrd="0" destOrd="0" presId="urn:microsoft.com/office/officeart/2005/8/layout/chevron2"/>
-    <dgm:cxn modelId="{7D783C93-F988-4A49-9636-88B13E8E9BA7}" srcId="{BFB7A6F8-E239-424B-BB9A-2C360B9204C0}" destId="{566B8628-A2B0-4C48-9523-FA97E89CCFE0}" srcOrd="2" destOrd="0" parTransId="{AB3FC260-F1E7-462A-BBA0-CED448853EBD}" sibTransId="{A3C8102F-E480-49F8-A76C-F2B22F60A814}"/>
-    <dgm:cxn modelId="{10973F67-2F06-4972-9065-5A2EE735FE96}" srcId="{636816DC-87B1-4FFB-867E-BBE061841ABD}" destId="{A77E825B-A4BB-4CF7-8351-C001A1779FED}" srcOrd="0" destOrd="0" parTransId="{B34CAA83-0BB6-44C2-8A3E-71294C96D3DE}" sibTransId="{18FD56A3-5934-4DA6-A8DB-0096EDF51483}"/>
-    <dgm:cxn modelId="{EB689D83-DD11-4471-8DB0-3D4C08BFA344}" type="presOf" srcId="{72F061D7-94C7-4714-AB9A-48A10A64DDB7}" destId="{D6EC95C1-3276-43A4-BE1E-167790E00098}" srcOrd="0" destOrd="0" presId="urn:microsoft.com/office/officeart/2005/8/layout/chevron2"/>
-    <dgm:cxn modelId="{5E7F2D6E-7063-4FCE-8051-C7F2AE073B3A}" type="presOf" srcId="{56E24188-B477-4232-9836-45008C24CD4D}" destId="{14E3FE33-9A55-48DA-9069-032F908F9BD6}" srcOrd="0" destOrd="0" presId="urn:microsoft.com/office/officeart/2005/8/layout/chevron2"/>
-    <dgm:cxn modelId="{3E6C0DD3-208C-48B3-8B60-EB8E349CAC7A}" type="presOf" srcId="{636816DC-87B1-4FFB-867E-BBE061841ABD}" destId="{52C7AC44-4E7C-4C15-83FD-3E867BF175A7}" srcOrd="0" destOrd="0" presId="urn:microsoft.com/office/officeart/2005/8/layout/chevron2"/>
-    <dgm:cxn modelId="{415EEFBC-3D45-4E0B-B568-9F2A6DE21516}" srcId="{72F061D7-94C7-4714-AB9A-48A10A64DDB7}" destId="{56E24188-B477-4232-9836-45008C24CD4D}" srcOrd="0" destOrd="0" parTransId="{E37A8C4A-04AB-4C96-9B59-E27E97289B3A}" sibTransId="{006056A8-2488-4228-A240-A8F44B6E2741}"/>
-    <dgm:cxn modelId="{19B36318-8445-453B-BCD0-3A5014CDC74C}" srcId="{566B8628-A2B0-4C48-9523-FA97E89CCFE0}" destId="{9450EBF9-C308-4970-852A-FCDFD650ABAF}" srcOrd="0" destOrd="0" parTransId="{EF1BC739-245B-4610-BAEC-82E1A4C6E829}" sibTransId="{4CD95D47-4426-4B41-9BBE-5E556D2605CF}"/>
-    <dgm:cxn modelId="{9E27457F-1F95-42CE-8ECF-49037E80381E}" type="presOf" srcId="{A29652BD-F85A-49A4-8894-D26179FD2791}" destId="{ABC29AC8-A386-4691-853C-2933C21F47B1}" srcOrd="0" destOrd="0" presId="urn:microsoft.com/office/officeart/2005/8/layout/chevron2"/>
     <dgm:cxn modelId="{C6A180BC-4F6D-47E9-AF43-9309F529CA67}" type="presParOf" srcId="{79CB5075-BA48-4B21-A973-48ED0D57125C}" destId="{02637D9C-A960-4B41-9F1C-9CA948F8EA64}" srcOrd="0" destOrd="0" presId="urn:microsoft.com/office/officeart/2005/8/layout/chevron2"/>
     <dgm:cxn modelId="{7BC77A33-304B-4F39-857C-484A8099A99E}" type="presParOf" srcId="{02637D9C-A960-4B41-9F1C-9CA948F8EA64}" destId="{1378324E-114E-4A2C-B5AC-7BFE54FF2DE7}" srcOrd="0" destOrd="0" presId="urn:microsoft.com/office/officeart/2005/8/layout/chevron2"/>
     <dgm:cxn modelId="{B36D7E91-5E7E-4DD7-81C3-544FD70948A5}" type="presParOf" srcId="{02637D9C-A960-4B41-9F1C-9CA948F8EA64}" destId="{ABC29AC8-A386-4691-853C-2933C21F47B1}" srcOrd="1" destOrd="0" presId="urn:microsoft.com/office/officeart/2005/8/layout/chevron2"/>
@@ -3464,18 +3333,9 @@
         <a:lstStyle/>
         <a:p>
           <a:r>
-            <a:rPr lang="en-US" dirty="0" smtClean="0"/>
-            <a:t>Resize the random image </a:t>
+            <a:rPr lang="en-US" dirty="0"/>
+            <a:t>Resize the random image to size 300</a:t>
           </a:r>
-          <a:r>
-            <a:rPr lang="en-US" dirty="0"/>
-            <a:t>to </a:t>
-          </a:r>
-          <a:r>
-            <a:rPr lang="en-US" dirty="0" smtClean="0"/>
-            <a:t>size 300</a:t>
-          </a:r>
-          <a:endParaRPr lang="en-US" dirty="0"/>
         </a:p>
       </dgm:t>
     </dgm:pt>
@@ -3509,10 +3369,9 @@
         <a:lstStyle/>
         <a:p>
           <a:r>
-            <a:rPr lang="en-US" dirty="0" smtClean="0"/>
+            <a:rPr lang="en-US" dirty="0"/>
             <a:t>Canny Edge Detection </a:t>
           </a:r>
-          <a:endParaRPr lang="en-US" dirty="0"/>
         </a:p>
       </dgm:t>
     </dgm:pt>
@@ -3546,10 +3405,9 @@
         <a:lstStyle/>
         <a:p>
           <a:r>
-            <a:rPr lang="en-US" dirty="0" smtClean="0"/>
+            <a:rPr lang="en-US" dirty="0"/>
             <a:t>Apply Canny function on resized image to detect edges.</a:t>
           </a:r>
-          <a:endParaRPr lang="en-US" dirty="0"/>
         </a:p>
       </dgm:t>
     </dgm:pt>
@@ -3583,10 +3441,9 @@
         <a:lstStyle/>
         <a:p>
           <a:r>
-            <a:rPr lang="en-US" dirty="0" smtClean="0"/>
+            <a:rPr lang="en-US" dirty="0"/>
             <a:t>Find Contours</a:t>
           </a:r>
-          <a:endParaRPr lang="en-US" dirty="0"/>
         </a:p>
       </dgm:t>
     </dgm:pt>
@@ -3620,26 +3477,25 @@
         <a:lstStyle/>
         <a:p>
           <a:r>
-            <a:rPr lang="en-US" dirty="0" smtClean="0"/>
+            <a:rPr lang="en-US" dirty="0"/>
             <a:t>Using </a:t>
           </a:r>
           <a:r>
-            <a:rPr lang="en-US" dirty="0" err="1" smtClean="0"/>
+            <a:rPr lang="en-US" dirty="0" err="1"/>
             <a:t>OpenCV</a:t>
           </a:r>
           <a:r>
-            <a:rPr lang="en-US" dirty="0" smtClean="0"/>
+            <a:rPr lang="en-US" dirty="0"/>
             <a:t> </a:t>
           </a:r>
           <a:r>
-            <a:rPr lang="en-US" dirty="0" err="1" smtClean="0"/>
+            <a:rPr lang="en-US" dirty="0" err="1"/>
             <a:t>findContours</a:t>
           </a:r>
           <a:r>
-            <a:rPr lang="en-US" dirty="0" smtClean="0"/>
+            <a:rPr lang="en-US" dirty="0"/>
             <a:t> to collect all image contours in the above image. </a:t>
           </a:r>
-          <a:endParaRPr lang="en-US" dirty="0"/>
         </a:p>
       </dgm:t>
     </dgm:pt>
@@ -3673,10 +3529,9 @@
         <a:lstStyle/>
         <a:p>
           <a:r>
-            <a:rPr lang="en-US" dirty="0" smtClean="0"/>
+            <a:rPr lang="en-US" dirty="0"/>
             <a:t>Extract Original Image Crops</a:t>
           </a:r>
-          <a:endParaRPr lang="en-US" dirty="0"/>
         </a:p>
       </dgm:t>
     </dgm:pt>
@@ -3710,10 +3565,9 @@
         <a:lstStyle/>
         <a:p>
           <a:r>
-            <a:rPr lang="en-US" dirty="0" smtClean="0"/>
+            <a:rPr lang="en-US" dirty="0"/>
             <a:t>Crop from the original image using the contour rectangles</a:t>
           </a:r>
-          <a:endParaRPr lang="en-US" dirty="0"/>
         </a:p>
       </dgm:t>
     </dgm:pt>
@@ -3747,10 +3601,9 @@
         <a:lstStyle/>
         <a:p>
           <a:r>
-            <a:rPr lang="en-US" dirty="0" smtClean="0"/>
+            <a:rPr lang="en-US" dirty="0"/>
             <a:t>Predict Using SVM</a:t>
           </a:r>
-          <a:endParaRPr lang="en-US" dirty="0"/>
         </a:p>
       </dgm:t>
     </dgm:pt>
@@ -3784,10 +3637,9 @@
         <a:lstStyle/>
         <a:p>
           <a:r>
-            <a:rPr lang="en-US" dirty="0" smtClean="0"/>
+            <a:rPr lang="en-US" dirty="0"/>
             <a:t>Predict the food type using the SVC and the cropped image</a:t>
           </a:r>
-          <a:endParaRPr lang="en-US" dirty="0"/>
         </a:p>
       </dgm:t>
     </dgm:pt>
@@ -3821,10 +3673,9 @@
         <a:lstStyle/>
         <a:p>
           <a:r>
-            <a:rPr lang="en-US" dirty="0" smtClean="0"/>
+            <a:rPr lang="en-US" dirty="0"/>
             <a:t>Mark on original Image</a:t>
           </a:r>
-          <a:endParaRPr lang="en-US" dirty="0"/>
         </a:p>
       </dgm:t>
     </dgm:pt>
@@ -3858,10 +3709,9 @@
         <a:lstStyle/>
         <a:p>
           <a:r>
-            <a:rPr lang="en-US" dirty="0" smtClean="0"/>
+            <a:rPr lang="en-US" dirty="0"/>
             <a:t>If the predicted cropped image is a food, mark with a rectangle on the original image</a:t>
           </a:r>
-          <a:endParaRPr lang="en-US" dirty="0"/>
         </a:p>
       </dgm:t>
     </dgm:pt>
@@ -3896,13 +3746,6 @@
         </dgm:presLayoutVars>
       </dgm:prSet>
       <dgm:spPr/>
-      <dgm:t>
-        <a:bodyPr/>
-        <a:lstStyle/>
-        <a:p>
-          <a:endParaRPr lang="en-US"/>
-        </a:p>
-      </dgm:t>
     </dgm:pt>
     <dgm:pt modelId="{02637D9C-A960-4B41-9F1C-9CA948F8EA64}" type="pres">
       <dgm:prSet presAssocID="{123D657C-F612-4B7B-9139-2E9ED766C1EB}" presName="composite" presStyleCnt="0"/>
@@ -3916,13 +3759,6 @@
         </dgm:presLayoutVars>
       </dgm:prSet>
       <dgm:spPr/>
-      <dgm:t>
-        <a:bodyPr/>
-        <a:lstStyle/>
-        <a:p>
-          <a:endParaRPr lang="en-US"/>
-        </a:p>
-      </dgm:t>
     </dgm:pt>
     <dgm:pt modelId="{ABC29AC8-A386-4691-853C-2933C21F47B1}" type="pres">
       <dgm:prSet presAssocID="{123D657C-F612-4B7B-9139-2E9ED766C1EB}" presName="descendantText" presStyleLbl="alignAcc1" presStyleIdx="0" presStyleCnt="6">
@@ -3931,13 +3767,6 @@
         </dgm:presLayoutVars>
       </dgm:prSet>
       <dgm:spPr/>
-      <dgm:t>
-        <a:bodyPr/>
-        <a:lstStyle/>
-        <a:p>
-          <a:endParaRPr lang="en-US"/>
-        </a:p>
-      </dgm:t>
     </dgm:pt>
     <dgm:pt modelId="{0D2CAEA8-6ADD-4691-AB37-DAB164BD5137}" type="pres">
       <dgm:prSet presAssocID="{FF560CAF-1AA5-45CB-983B-B544582BBD49}" presName="sp" presStyleCnt="0"/>
@@ -3955,13 +3784,6 @@
         </dgm:presLayoutVars>
       </dgm:prSet>
       <dgm:spPr/>
-      <dgm:t>
-        <a:bodyPr/>
-        <a:lstStyle/>
-        <a:p>
-          <a:endParaRPr lang="en-US"/>
-        </a:p>
-      </dgm:t>
     </dgm:pt>
     <dgm:pt modelId="{14E3FE33-9A55-48DA-9069-032F908F9BD6}" type="pres">
       <dgm:prSet presAssocID="{72F061D7-94C7-4714-AB9A-48A10A64DDB7}" presName="descendantText" presStyleLbl="alignAcc1" presStyleIdx="1" presStyleCnt="6">
@@ -3970,13 +3792,6 @@
         </dgm:presLayoutVars>
       </dgm:prSet>
       <dgm:spPr/>
-      <dgm:t>
-        <a:bodyPr/>
-        <a:lstStyle/>
-        <a:p>
-          <a:endParaRPr lang="en-US"/>
-        </a:p>
-      </dgm:t>
     </dgm:pt>
     <dgm:pt modelId="{E755B0F8-20E2-4523-94CE-691F1D3AF153}" type="pres">
       <dgm:prSet presAssocID="{FA30737A-E318-4E0A-AD6C-CB4840AAE8EA}" presName="sp" presStyleCnt="0"/>
@@ -3994,13 +3809,6 @@
         </dgm:presLayoutVars>
       </dgm:prSet>
       <dgm:spPr/>
-      <dgm:t>
-        <a:bodyPr/>
-        <a:lstStyle/>
-        <a:p>
-          <a:endParaRPr lang="en-US"/>
-        </a:p>
-      </dgm:t>
     </dgm:pt>
     <dgm:pt modelId="{5E6B47BE-1879-4F11-B511-4EB1CC39F0B0}" type="pres">
       <dgm:prSet presAssocID="{566B8628-A2B0-4C48-9523-FA97E89CCFE0}" presName="descendantText" presStyleLbl="alignAcc1" presStyleIdx="2" presStyleCnt="6">
@@ -4009,13 +3817,6 @@
         </dgm:presLayoutVars>
       </dgm:prSet>
       <dgm:spPr/>
-      <dgm:t>
-        <a:bodyPr/>
-        <a:lstStyle/>
-        <a:p>
-          <a:endParaRPr lang="en-US"/>
-        </a:p>
-      </dgm:t>
     </dgm:pt>
     <dgm:pt modelId="{BF29FDA4-B25A-4FCA-B377-C6F3BA92DEB1}" type="pres">
       <dgm:prSet presAssocID="{A3C8102F-E480-49F8-A76C-F2B22F60A814}" presName="sp" presStyleCnt="0"/>
@@ -4033,13 +3834,6 @@
         </dgm:presLayoutVars>
       </dgm:prSet>
       <dgm:spPr/>
-      <dgm:t>
-        <a:bodyPr/>
-        <a:lstStyle/>
-        <a:p>
-          <a:endParaRPr lang="en-US"/>
-        </a:p>
-      </dgm:t>
     </dgm:pt>
     <dgm:pt modelId="{16BD8B98-D9F0-4426-9A32-8FC752C746F7}" type="pres">
       <dgm:prSet presAssocID="{636816DC-87B1-4FFB-867E-BBE061841ABD}" presName="descendantText" presStyleLbl="alignAcc1" presStyleIdx="3" presStyleCnt="6">
@@ -4048,13 +3842,6 @@
         </dgm:presLayoutVars>
       </dgm:prSet>
       <dgm:spPr/>
-      <dgm:t>
-        <a:bodyPr/>
-        <a:lstStyle/>
-        <a:p>
-          <a:endParaRPr lang="en-US"/>
-        </a:p>
-      </dgm:t>
     </dgm:pt>
     <dgm:pt modelId="{43E89797-94A0-4DE2-84C7-6BC7B3AD4EFC}" type="pres">
       <dgm:prSet presAssocID="{3BB301D1-EE70-46BD-9A62-FE6E7B681F1E}" presName="sp" presStyleCnt="0"/>
@@ -4072,13 +3859,6 @@
         </dgm:presLayoutVars>
       </dgm:prSet>
       <dgm:spPr/>
-      <dgm:t>
-        <a:bodyPr/>
-        <a:lstStyle/>
-        <a:p>
-          <a:endParaRPr lang="en-US"/>
-        </a:p>
-      </dgm:t>
     </dgm:pt>
     <dgm:pt modelId="{F68D969D-2D49-4416-8BB8-88A0F6040589}" type="pres">
       <dgm:prSet presAssocID="{BB7C809C-FBA3-4495-AAD4-D25E195C8118}" presName="descendantText" presStyleLbl="alignAcc1" presStyleIdx="4" presStyleCnt="6">
@@ -4087,13 +3867,6 @@
         </dgm:presLayoutVars>
       </dgm:prSet>
       <dgm:spPr/>
-      <dgm:t>
-        <a:bodyPr/>
-        <a:lstStyle/>
-        <a:p>
-          <a:endParaRPr lang="en-US"/>
-        </a:p>
-      </dgm:t>
     </dgm:pt>
     <dgm:pt modelId="{A67FF710-FBDE-4E42-A444-55C40139AD35}" type="pres">
       <dgm:prSet presAssocID="{430A368C-46E4-43DA-B74D-E2B0C2B00D2D}" presName="sp" presStyleCnt="0"/>
@@ -4111,13 +3884,6 @@
         </dgm:presLayoutVars>
       </dgm:prSet>
       <dgm:spPr/>
-      <dgm:t>
-        <a:bodyPr/>
-        <a:lstStyle/>
-        <a:p>
-          <a:endParaRPr lang="en-US"/>
-        </a:p>
-      </dgm:t>
     </dgm:pt>
     <dgm:pt modelId="{BC1E10C5-94EF-4AAE-98DB-19924E6A5216}" type="pres">
       <dgm:prSet presAssocID="{395B8AC7-DB73-489C-BB1E-E8854937680D}" presName="descendantText" presStyleLbl="alignAcc1" presStyleIdx="5" presStyleCnt="6">
@@ -4126,41 +3892,34 @@
         </dgm:presLayoutVars>
       </dgm:prSet>
       <dgm:spPr/>
-      <dgm:t>
-        <a:bodyPr/>
-        <a:lstStyle/>
-        <a:p>
-          <a:endParaRPr lang="en-US"/>
-        </a:p>
-      </dgm:t>
     </dgm:pt>
   </dgm:ptLst>
   <dgm:cxnLst>
+    <dgm:cxn modelId="{19B36318-8445-453B-BCD0-3A5014CDC74C}" srcId="{566B8628-A2B0-4C48-9523-FA97E89CCFE0}" destId="{9450EBF9-C308-4970-852A-FCDFD650ABAF}" srcOrd="0" destOrd="0" parTransId="{EF1BC739-245B-4610-BAEC-82E1A4C6E829}" sibTransId="{4CD95D47-4426-4B41-9BBE-5E556D2605CF}"/>
+    <dgm:cxn modelId="{7015D93D-076D-40C7-87FF-57EF17A605FC}" type="presOf" srcId="{BFB7A6F8-E239-424B-BB9A-2C360B9204C0}" destId="{79CB5075-BA48-4B21-A973-48ED0D57125C}" srcOrd="0" destOrd="0" presId="urn:microsoft.com/office/officeart/2005/8/layout/chevron2"/>
+    <dgm:cxn modelId="{10973F67-2F06-4972-9065-5A2EE735FE96}" srcId="{636816DC-87B1-4FFB-867E-BBE061841ABD}" destId="{A77E825B-A4BB-4CF7-8351-C001A1779FED}" srcOrd="0" destOrd="0" parTransId="{B34CAA83-0BB6-44C2-8A3E-71294C96D3DE}" sibTransId="{18FD56A3-5934-4DA6-A8DB-0096EDF51483}"/>
+    <dgm:cxn modelId="{5E7F2D6E-7063-4FCE-8051-C7F2AE073B3A}" type="presOf" srcId="{56E24188-B477-4232-9836-45008C24CD4D}" destId="{14E3FE33-9A55-48DA-9069-032F908F9BD6}" srcOrd="0" destOrd="0" presId="urn:microsoft.com/office/officeart/2005/8/layout/chevron2"/>
+    <dgm:cxn modelId="{F3B39055-0433-4045-B3BC-4F23CABE36CA}" srcId="{BFB7A6F8-E239-424B-BB9A-2C360B9204C0}" destId="{395B8AC7-DB73-489C-BB1E-E8854937680D}" srcOrd="5" destOrd="0" parTransId="{4A6A66EB-6D72-491E-9A22-EE4BBDFF402C}" sibTransId="{48E604F9-89D7-4783-A9FD-8EDF70AFC52A}"/>
+    <dgm:cxn modelId="{C8EBF77A-3638-44D4-9D3E-D2E45D09421C}" srcId="{BFB7A6F8-E239-424B-BB9A-2C360B9204C0}" destId="{123D657C-F612-4B7B-9139-2E9ED766C1EB}" srcOrd="0" destOrd="0" parTransId="{1F033579-0063-446F-9104-40DB03849A5C}" sibTransId="{FF560CAF-1AA5-45CB-983B-B544582BBD49}"/>
+    <dgm:cxn modelId="{9E27457F-1F95-42CE-8ECF-49037E80381E}" type="presOf" srcId="{A29652BD-F85A-49A4-8894-D26179FD2791}" destId="{ABC29AC8-A386-4691-853C-2933C21F47B1}" srcOrd="0" destOrd="0" presId="urn:microsoft.com/office/officeart/2005/8/layout/chevron2"/>
+    <dgm:cxn modelId="{EB689D83-DD11-4471-8DB0-3D4C08BFA344}" type="presOf" srcId="{72F061D7-94C7-4714-AB9A-48A10A64DDB7}" destId="{D6EC95C1-3276-43A4-BE1E-167790E00098}" srcOrd="0" destOrd="0" presId="urn:microsoft.com/office/officeart/2005/8/layout/chevron2"/>
+    <dgm:cxn modelId="{93625687-3D6F-483D-A0B1-5313B4B25C4A}" type="presOf" srcId="{395B8AC7-DB73-489C-BB1E-E8854937680D}" destId="{6F713EA9-F59C-4C51-8970-C7746DF5C3F2}" srcOrd="0" destOrd="0" presId="urn:microsoft.com/office/officeart/2005/8/layout/chevron2"/>
+    <dgm:cxn modelId="{7D783C93-F988-4A49-9636-88B13E8E9BA7}" srcId="{BFB7A6F8-E239-424B-BB9A-2C360B9204C0}" destId="{566B8628-A2B0-4C48-9523-FA97E89CCFE0}" srcOrd="2" destOrd="0" parTransId="{AB3FC260-F1E7-462A-BBA0-CED448853EBD}" sibTransId="{A3C8102F-E480-49F8-A76C-F2B22F60A814}"/>
+    <dgm:cxn modelId="{DAECF793-5525-4C73-A1EF-86E3C1C25C3D}" type="presOf" srcId="{123D657C-F612-4B7B-9139-2E9ED766C1EB}" destId="{1378324E-114E-4A2C-B5AC-7BFE54FF2DE7}" srcOrd="0" destOrd="0" presId="urn:microsoft.com/office/officeart/2005/8/layout/chevron2"/>
     <dgm:cxn modelId="{702E6C9A-FE81-42CC-9F0D-4565BDA7C3A3}" type="presOf" srcId="{181518BA-BB12-4063-AE2A-35EA0A39433F}" destId="{BC1E10C5-94EF-4AAE-98DB-19924E6A5216}" srcOrd="0" destOrd="0" presId="urn:microsoft.com/office/officeart/2005/8/layout/chevron2"/>
-    <dgm:cxn modelId="{10973F67-2F06-4972-9065-5A2EE735FE96}" srcId="{636816DC-87B1-4FFB-867E-BBE061841ABD}" destId="{A77E825B-A4BB-4CF7-8351-C001A1779FED}" srcOrd="0" destOrd="0" parTransId="{B34CAA83-0BB6-44C2-8A3E-71294C96D3DE}" sibTransId="{18FD56A3-5934-4DA6-A8DB-0096EDF51483}"/>
-    <dgm:cxn modelId="{3E6C0DD3-208C-48B3-8B60-EB8E349CAC7A}" type="presOf" srcId="{636816DC-87B1-4FFB-867E-BBE061841ABD}" destId="{52C7AC44-4E7C-4C15-83FD-3E867BF175A7}" srcOrd="0" destOrd="0" presId="urn:microsoft.com/office/officeart/2005/8/layout/chevron2"/>
+    <dgm:cxn modelId="{0ABCAE9F-2068-47C8-A70C-C39BC9075190}" srcId="{BFB7A6F8-E239-424B-BB9A-2C360B9204C0}" destId="{BB7C809C-FBA3-4495-AAD4-D25E195C8118}" srcOrd="4" destOrd="0" parTransId="{382A470B-CB0D-4E7B-81A0-3FB0542C40E7}" sibTransId="{430A368C-46E4-43DA-B74D-E2B0C2B00D2D}"/>
+    <dgm:cxn modelId="{A1B54EA7-2BDE-4F95-8CA2-646AE9528750}" srcId="{BB7C809C-FBA3-4495-AAD4-D25E195C8118}" destId="{89BA4AD3-B80A-4F87-9F51-5745FA915744}" srcOrd="0" destOrd="0" parTransId="{D1D5F127-D3E7-438C-8DE1-614E3FC8381E}" sibTransId="{E69DC135-30F0-491F-B56E-E5668E4A1E61}"/>
     <dgm:cxn modelId="{628A4AA9-2BD4-407C-9941-EEF7C066D33A}" type="presOf" srcId="{BB7C809C-FBA3-4495-AAD4-D25E195C8118}" destId="{94ADECC4-D894-463D-87B7-B384FB281C4E}" srcOrd="0" destOrd="0" presId="urn:microsoft.com/office/officeart/2005/8/layout/chevron2"/>
+    <dgm:cxn modelId="{E67359AE-188A-4814-8EA5-16CC1F63D2E0}" srcId="{395B8AC7-DB73-489C-BB1E-E8854937680D}" destId="{181518BA-BB12-4063-AE2A-35EA0A39433F}" srcOrd="0" destOrd="0" parTransId="{6B6FAC9E-8B12-4C56-85F0-063425FCCB2C}" sibTransId="{2DED6E67-EE3E-4A7C-8ACB-49A0EB89A6A6}"/>
     <dgm:cxn modelId="{ECC4B3BA-DFA7-4981-83A4-1C2A41A32834}" srcId="{123D657C-F612-4B7B-9139-2E9ED766C1EB}" destId="{A29652BD-F85A-49A4-8894-D26179FD2791}" srcOrd="0" destOrd="0" parTransId="{78BF352C-27A3-4EB7-849D-DAB5071F2A9E}" sibTransId="{6EB9DD74-5700-4EC1-96A3-440681F4FCF4}"/>
-    <dgm:cxn modelId="{E67359AE-188A-4814-8EA5-16CC1F63D2E0}" srcId="{395B8AC7-DB73-489C-BB1E-E8854937680D}" destId="{181518BA-BB12-4063-AE2A-35EA0A39433F}" srcOrd="0" destOrd="0" parTransId="{6B6FAC9E-8B12-4C56-85F0-063425FCCB2C}" sibTransId="{2DED6E67-EE3E-4A7C-8ACB-49A0EB89A6A6}"/>
-    <dgm:cxn modelId="{93625687-3D6F-483D-A0B1-5313B4B25C4A}" type="presOf" srcId="{395B8AC7-DB73-489C-BB1E-E8854937680D}" destId="{6F713EA9-F59C-4C51-8970-C7746DF5C3F2}" srcOrd="0" destOrd="0" presId="urn:microsoft.com/office/officeart/2005/8/layout/chevron2"/>
-    <dgm:cxn modelId="{92182AFB-CFE2-43E3-A1BD-4A024208052C}" type="presOf" srcId="{89BA4AD3-B80A-4F87-9F51-5745FA915744}" destId="{F68D969D-2D49-4416-8BB8-88A0F6040589}" srcOrd="0" destOrd="0" presId="urn:microsoft.com/office/officeart/2005/8/layout/chevron2"/>
-    <dgm:cxn modelId="{19B36318-8445-453B-BCD0-3A5014CDC74C}" srcId="{566B8628-A2B0-4C48-9523-FA97E89CCFE0}" destId="{9450EBF9-C308-4970-852A-FCDFD650ABAF}" srcOrd="0" destOrd="0" parTransId="{EF1BC739-245B-4610-BAEC-82E1A4C6E829}" sibTransId="{4CD95D47-4426-4B41-9BBE-5E556D2605CF}"/>
-    <dgm:cxn modelId="{EB689D83-DD11-4471-8DB0-3D4C08BFA344}" type="presOf" srcId="{72F061D7-94C7-4714-AB9A-48A10A64DDB7}" destId="{D6EC95C1-3276-43A4-BE1E-167790E00098}" srcOrd="0" destOrd="0" presId="urn:microsoft.com/office/officeart/2005/8/layout/chevron2"/>
-    <dgm:cxn modelId="{9E27457F-1F95-42CE-8ECF-49037E80381E}" type="presOf" srcId="{A29652BD-F85A-49A4-8894-D26179FD2791}" destId="{ABC29AC8-A386-4691-853C-2933C21F47B1}" srcOrd="0" destOrd="0" presId="urn:microsoft.com/office/officeart/2005/8/layout/chevron2"/>
     <dgm:cxn modelId="{7A3B94BC-EC21-417E-BF7E-F8C460224DB5}" type="presOf" srcId="{A77E825B-A4BB-4CF7-8351-C001A1779FED}" destId="{16BD8B98-D9F0-4426-9A32-8FC752C746F7}" srcOrd="0" destOrd="0" presId="urn:microsoft.com/office/officeart/2005/8/layout/chevron2"/>
     <dgm:cxn modelId="{415EEFBC-3D45-4E0B-B568-9F2A6DE21516}" srcId="{72F061D7-94C7-4714-AB9A-48A10A64DDB7}" destId="{56E24188-B477-4232-9836-45008C24CD4D}" srcOrd="0" destOrd="0" parTransId="{E37A8C4A-04AB-4C96-9B59-E27E97289B3A}" sibTransId="{006056A8-2488-4228-A240-A8F44B6E2741}"/>
-    <dgm:cxn modelId="{62C7D1F4-7855-4404-BF57-5386F87EAC7B}" type="presOf" srcId="{566B8628-A2B0-4C48-9523-FA97E89CCFE0}" destId="{F49734FD-3E2A-4EBE-9998-F3C81CF274E0}" srcOrd="0" destOrd="0" presId="urn:microsoft.com/office/officeart/2005/8/layout/chevron2"/>
-    <dgm:cxn modelId="{F3B39055-0433-4045-B3BC-4F23CABE36CA}" srcId="{BFB7A6F8-E239-424B-BB9A-2C360B9204C0}" destId="{395B8AC7-DB73-489C-BB1E-E8854937680D}" srcOrd="5" destOrd="0" parTransId="{4A6A66EB-6D72-491E-9A22-EE4BBDFF402C}" sibTransId="{48E604F9-89D7-4783-A9FD-8EDF70AFC52A}"/>
-    <dgm:cxn modelId="{F286E7ED-722B-446D-84B2-803840078F5D}" srcId="{BFB7A6F8-E239-424B-BB9A-2C360B9204C0}" destId="{636816DC-87B1-4FFB-867E-BBE061841ABD}" srcOrd="3" destOrd="0" parTransId="{D6A35670-69D6-495A-B79A-C375BDE06D3B}" sibTransId="{3BB301D1-EE70-46BD-9A62-FE6E7B681F1E}"/>
-    <dgm:cxn modelId="{7D783C93-F988-4A49-9636-88B13E8E9BA7}" srcId="{BFB7A6F8-E239-424B-BB9A-2C360B9204C0}" destId="{566B8628-A2B0-4C48-9523-FA97E89CCFE0}" srcOrd="2" destOrd="0" parTransId="{AB3FC260-F1E7-462A-BBA0-CED448853EBD}" sibTransId="{A3C8102F-E480-49F8-A76C-F2B22F60A814}"/>
-    <dgm:cxn modelId="{C8EBF77A-3638-44D4-9D3E-D2E45D09421C}" srcId="{BFB7A6F8-E239-424B-BB9A-2C360B9204C0}" destId="{123D657C-F612-4B7B-9139-2E9ED766C1EB}" srcOrd="0" destOrd="0" parTransId="{1F033579-0063-446F-9104-40DB03849A5C}" sibTransId="{FF560CAF-1AA5-45CB-983B-B544582BBD49}"/>
-    <dgm:cxn modelId="{7015D93D-076D-40C7-87FF-57EF17A605FC}" type="presOf" srcId="{BFB7A6F8-E239-424B-BB9A-2C360B9204C0}" destId="{79CB5075-BA48-4B21-A973-48ED0D57125C}" srcOrd="0" destOrd="0" presId="urn:microsoft.com/office/officeart/2005/8/layout/chevron2"/>
-    <dgm:cxn modelId="{DAECF793-5525-4C73-A1EF-86E3C1C25C3D}" type="presOf" srcId="{123D657C-F612-4B7B-9139-2E9ED766C1EB}" destId="{1378324E-114E-4A2C-B5AC-7BFE54FF2DE7}" srcOrd="0" destOrd="0" presId="urn:microsoft.com/office/officeart/2005/8/layout/chevron2"/>
-    <dgm:cxn modelId="{0ABCAE9F-2068-47C8-A70C-C39BC9075190}" srcId="{BFB7A6F8-E239-424B-BB9A-2C360B9204C0}" destId="{BB7C809C-FBA3-4495-AAD4-D25E195C8118}" srcOrd="4" destOrd="0" parTransId="{382A470B-CB0D-4E7B-81A0-3FB0542C40E7}" sibTransId="{430A368C-46E4-43DA-B74D-E2B0C2B00D2D}"/>
-    <dgm:cxn modelId="{A1B54EA7-2BDE-4F95-8CA2-646AE9528750}" srcId="{BB7C809C-FBA3-4495-AAD4-D25E195C8118}" destId="{89BA4AD3-B80A-4F87-9F51-5745FA915744}" srcOrd="0" destOrd="0" parTransId="{D1D5F127-D3E7-438C-8DE1-614E3FC8381E}" sibTransId="{E69DC135-30F0-491F-B56E-E5668E4A1E61}"/>
+    <dgm:cxn modelId="{3E6C0DD3-208C-48B3-8B60-EB8E349CAC7A}" type="presOf" srcId="{636816DC-87B1-4FFB-867E-BBE061841ABD}" destId="{52C7AC44-4E7C-4C15-83FD-3E867BF175A7}" srcOrd="0" destOrd="0" presId="urn:microsoft.com/office/officeart/2005/8/layout/chevron2"/>
     <dgm:cxn modelId="{752FDFDF-7C5E-404A-A1A0-A0780001F02B}" srcId="{BFB7A6F8-E239-424B-BB9A-2C360B9204C0}" destId="{72F061D7-94C7-4714-AB9A-48A10A64DDB7}" srcOrd="1" destOrd="0" parTransId="{742BF0DB-6031-46F0-B358-98382C48E02F}" sibTransId="{FA30737A-E318-4E0A-AD6C-CB4840AAE8EA}"/>
     <dgm:cxn modelId="{176734E7-0B0C-42F9-BEF4-E0729A5B2C55}" type="presOf" srcId="{9450EBF9-C308-4970-852A-FCDFD650ABAF}" destId="{5E6B47BE-1879-4F11-B511-4EB1CC39F0B0}" srcOrd="0" destOrd="0" presId="urn:microsoft.com/office/officeart/2005/8/layout/chevron2"/>
-    <dgm:cxn modelId="{5E7F2D6E-7063-4FCE-8051-C7F2AE073B3A}" type="presOf" srcId="{56E24188-B477-4232-9836-45008C24CD4D}" destId="{14E3FE33-9A55-48DA-9069-032F908F9BD6}" srcOrd="0" destOrd="0" presId="urn:microsoft.com/office/officeart/2005/8/layout/chevron2"/>
+    <dgm:cxn modelId="{F286E7ED-722B-446D-84B2-803840078F5D}" srcId="{BFB7A6F8-E239-424B-BB9A-2C360B9204C0}" destId="{636816DC-87B1-4FFB-867E-BBE061841ABD}" srcOrd="3" destOrd="0" parTransId="{D6A35670-69D6-495A-B79A-C375BDE06D3B}" sibTransId="{3BB301D1-EE70-46BD-9A62-FE6E7B681F1E}"/>
+    <dgm:cxn modelId="{62C7D1F4-7855-4404-BF57-5386F87EAC7B}" type="presOf" srcId="{566B8628-A2B0-4C48-9523-FA97E89CCFE0}" destId="{F49734FD-3E2A-4EBE-9998-F3C81CF274E0}" srcOrd="0" destOrd="0" presId="urn:microsoft.com/office/officeart/2005/8/layout/chevron2"/>
+    <dgm:cxn modelId="{92182AFB-CFE2-43E3-A1BD-4A024208052C}" type="presOf" srcId="{89BA4AD3-B80A-4F87-9F51-5745FA915744}" destId="{F68D969D-2D49-4416-8BB8-88A0F6040589}" srcOrd="0" destOrd="0" presId="urn:microsoft.com/office/officeart/2005/8/layout/chevron2"/>
     <dgm:cxn modelId="{C6A180BC-4F6D-47E9-AF43-9309F529CA67}" type="presParOf" srcId="{79CB5075-BA48-4B21-A973-48ED0D57125C}" destId="{02637D9C-A960-4B41-9F1C-9CA948F8EA64}" srcOrd="0" destOrd="0" presId="urn:microsoft.com/office/officeart/2005/8/layout/chevron2"/>
     <dgm:cxn modelId="{7BC77A33-304B-4F39-857C-484A8099A99E}" type="presParOf" srcId="{02637D9C-A960-4B41-9F1C-9CA948F8EA64}" destId="{1378324E-114E-4A2C-B5AC-7BFE54FF2DE7}" srcOrd="0" destOrd="0" presId="urn:microsoft.com/office/officeart/2005/8/layout/chevron2"/>
     <dgm:cxn modelId="{B36D7E91-5E7E-4DD7-81C3-544FD70948A5}" type="presParOf" srcId="{02637D9C-A960-4B41-9F1C-9CA948F8EA64}" destId="{ABC29AC8-A386-4691-853C-2933C21F47B1}" srcOrd="1" destOrd="0" presId="urn:microsoft.com/office/officeart/2005/8/layout/chevron2"/>
@@ -4258,7 +4017,7 @@
         </a:bodyPr>
         <a:lstStyle/>
         <a:p>
-          <a:pPr lvl="0" algn="ctr" defTabSz="533400">
+          <a:pPr marL="0" lvl="0" indent="0" algn="ctr" defTabSz="533400">
             <a:lnSpc>
               <a:spcPct val="90000"/>
             </a:lnSpc>
@@ -4268,6 +4027,7 @@
             <a:spcAft>
               <a:spcPct val="35000"/>
             </a:spcAft>
+            <a:buNone/>
           </a:pPr>
           <a:r>
             <a:rPr lang="en-US" sz="1200" kern="1200" dirty="0"/>
@@ -4344,7 +4104,7 @@
             <a:spcAft>
               <a:spcPct val="15000"/>
             </a:spcAft>
-            <a:buChar char="••"/>
+            <a:buChar char="•"/>
           </a:pPr>
           <a:r>
             <a:rPr lang="en-US" sz="2400" kern="1200" dirty="0"/>
@@ -4412,7 +4172,7 @@
         </a:bodyPr>
         <a:lstStyle/>
         <a:p>
-          <a:pPr lvl="0" algn="ctr" defTabSz="533400">
+          <a:pPr marL="0" lvl="0" indent="0" algn="ctr" defTabSz="533400">
             <a:lnSpc>
               <a:spcPct val="90000"/>
             </a:lnSpc>
@@ -4422,6 +4182,7 @@
             <a:spcAft>
               <a:spcPct val="35000"/>
             </a:spcAft>
+            <a:buNone/>
           </a:pPr>
           <a:r>
             <a:rPr lang="en-US" sz="1200" kern="1200" dirty="0"/>
@@ -4498,7 +4259,7 @@
             <a:spcAft>
               <a:spcPct val="15000"/>
             </a:spcAft>
-            <a:buChar char="••"/>
+            <a:buChar char="•"/>
           </a:pPr>
           <a:r>
             <a:rPr lang="en-US" sz="2400" kern="1200" dirty="0"/>
@@ -4566,7 +4327,7 @@
         </a:bodyPr>
         <a:lstStyle/>
         <a:p>
-          <a:pPr lvl="0" algn="ctr" defTabSz="533400">
+          <a:pPr marL="0" lvl="0" indent="0" algn="ctr" defTabSz="533400">
             <a:lnSpc>
               <a:spcPct val="90000"/>
             </a:lnSpc>
@@ -4576,6 +4337,7 @@
             <a:spcAft>
               <a:spcPct val="35000"/>
             </a:spcAft>
+            <a:buNone/>
           </a:pPr>
           <a:r>
             <a:rPr lang="en-US" sz="1200" kern="1200" dirty="0"/>
@@ -4652,7 +4414,7 @@
             <a:spcAft>
               <a:spcPct val="15000"/>
             </a:spcAft>
-            <a:buChar char="••"/>
+            <a:buChar char="•"/>
           </a:pPr>
           <a:r>
             <a:rPr lang="en-US" sz="2400" kern="1200" dirty="0"/>
@@ -4720,7 +4482,7 @@
         </a:bodyPr>
         <a:lstStyle/>
         <a:p>
-          <a:pPr lvl="0" algn="ctr" defTabSz="533400">
+          <a:pPr marL="0" lvl="0" indent="0" algn="ctr" defTabSz="533400">
             <a:lnSpc>
               <a:spcPct val="90000"/>
             </a:lnSpc>
@@ -4730,6 +4492,7 @@
             <a:spcAft>
               <a:spcPct val="35000"/>
             </a:spcAft>
+            <a:buNone/>
           </a:pPr>
           <a:r>
             <a:rPr lang="en-US" sz="1200" kern="1200" dirty="0"/>
@@ -4806,7 +4569,7 @@
             <a:spcAft>
               <a:spcPct val="15000"/>
             </a:spcAft>
-            <a:buChar char="••"/>
+            <a:buChar char="•"/>
           </a:pPr>
           <a:r>
             <a:rPr lang="en-US" sz="2400" kern="1200" dirty="0"/>
@@ -4886,7 +4649,7 @@
         </a:bodyPr>
         <a:lstStyle/>
         <a:p>
-          <a:pPr lvl="0" algn="ctr" defTabSz="533400">
+          <a:pPr marL="0" lvl="0" indent="0" algn="ctr" defTabSz="533400">
             <a:lnSpc>
               <a:spcPct val="90000"/>
             </a:lnSpc>
@@ -4896,6 +4659,7 @@
             <a:spcAft>
               <a:spcPct val="35000"/>
             </a:spcAft>
+            <a:buNone/>
           </a:pPr>
           <a:r>
             <a:rPr lang="en-US" sz="1200" kern="1200" dirty="0"/>
@@ -4972,7 +4736,7 @@
             <a:spcAft>
               <a:spcPct val="15000"/>
             </a:spcAft>
-            <a:buChar char="••"/>
+            <a:buChar char="•"/>
           </a:pPr>
           <a:r>
             <a:rPr lang="en-US" sz="2400" kern="1200" dirty="0"/>
@@ -5040,7 +4804,7 @@
         </a:bodyPr>
         <a:lstStyle/>
         <a:p>
-          <a:pPr lvl="0" algn="ctr" defTabSz="533400">
+          <a:pPr marL="0" lvl="0" indent="0" algn="ctr" defTabSz="533400">
             <a:lnSpc>
               <a:spcPct val="90000"/>
             </a:lnSpc>
@@ -5050,6 +4814,7 @@
             <a:spcAft>
               <a:spcPct val="35000"/>
             </a:spcAft>
+            <a:buNone/>
           </a:pPr>
           <a:r>
             <a:rPr lang="en-US" sz="1200" kern="1200" dirty="0"/>
@@ -5126,7 +4891,7 @@
             <a:spcAft>
               <a:spcPct val="15000"/>
             </a:spcAft>
-            <a:buChar char="••"/>
+            <a:buChar char="•"/>
           </a:pPr>
           <a:r>
             <a:rPr lang="en-US" sz="2400" kern="1200" dirty="0"/>
@@ -5194,7 +4959,7 @@
         </a:bodyPr>
         <a:lstStyle/>
         <a:p>
-          <a:pPr lvl="0" algn="ctr" defTabSz="533400">
+          <a:pPr marL="0" lvl="0" indent="0" algn="ctr" defTabSz="533400">
             <a:lnSpc>
               <a:spcPct val="90000"/>
             </a:lnSpc>
@@ -5204,6 +4969,7 @@
             <a:spcAft>
               <a:spcPct val="35000"/>
             </a:spcAft>
+            <a:buNone/>
           </a:pPr>
           <a:r>
             <a:rPr lang="en-US" sz="1200" kern="1200" dirty="0"/>
@@ -5280,7 +5046,7 @@
             <a:spcAft>
               <a:spcPct val="15000"/>
             </a:spcAft>
-            <a:buChar char="••"/>
+            <a:buChar char="•"/>
           </a:pPr>
           <a:r>
             <a:rPr lang="en-US" sz="2400" kern="1200" dirty="0"/>
@@ -5348,7 +5114,7 @@
         </a:bodyPr>
         <a:lstStyle/>
         <a:p>
-          <a:pPr lvl="0" algn="ctr" defTabSz="533400">
+          <a:pPr marL="0" lvl="0" indent="0" algn="ctr" defTabSz="533400">
             <a:lnSpc>
               <a:spcPct val="90000"/>
             </a:lnSpc>
@@ -5358,6 +5124,7 @@
             <a:spcAft>
               <a:spcPct val="35000"/>
             </a:spcAft>
+            <a:buNone/>
           </a:pPr>
           <a:r>
             <a:rPr lang="en-US" sz="1200" kern="1200" dirty="0"/>
@@ -5434,17 +5201,12 @@
             <a:spcAft>
               <a:spcPct val="15000"/>
             </a:spcAft>
-            <a:buChar char="••"/>
+            <a:buChar char="•"/>
           </a:pPr>
           <a:r>
             <a:rPr lang="en-US" sz="2400" kern="1200" dirty="0"/>
-            <a:t>Applied the SVM algorithm </a:t>
+            <a:t>Applied the SVM/GB algorithm to train and test the randomized image samples</a:t>
           </a:r>
-          <a:r>
-            <a:rPr lang="en-US" sz="2400" kern="1200" dirty="0" smtClean="0"/>
-            <a:t>to train and test the randomized image samples</a:t>
-          </a:r>
-          <a:endParaRPr lang="en-US" sz="2400" kern="1200" dirty="0"/>
         </a:p>
       </dsp:txBody>
       <dsp:txXfrm rot="-5400000">
@@ -5519,7 +5281,7 @@
         </a:bodyPr>
         <a:lstStyle/>
         <a:p>
-          <a:pPr lvl="0" algn="ctr" defTabSz="355600">
+          <a:pPr marL="0" lvl="0" indent="0" algn="ctr" defTabSz="355600">
             <a:lnSpc>
               <a:spcPct val="90000"/>
             </a:lnSpc>
@@ -5529,6 +5291,7 @@
             <a:spcAft>
               <a:spcPct val="35000"/>
             </a:spcAft>
+            <a:buNone/>
           </a:pPr>
           <a:r>
             <a:rPr lang="en-US" sz="800" kern="1200" dirty="0"/>
@@ -5605,21 +5368,12 @@
             <a:spcAft>
               <a:spcPct val="15000"/>
             </a:spcAft>
-            <a:buChar char="••"/>
+            <a:buChar char="•"/>
           </a:pPr>
           <a:r>
-            <a:rPr lang="en-US" sz="2200" kern="1200" dirty="0" smtClean="0"/>
-            <a:t>Resize the random image </a:t>
+            <a:rPr lang="en-US" sz="2200" kern="1200" dirty="0"/>
+            <a:t>Resize the random image to size 300</a:t>
           </a:r>
-          <a:r>
-            <a:rPr lang="en-US" sz="2200" kern="1200" dirty="0"/>
-            <a:t>to </a:t>
-          </a:r>
-          <a:r>
-            <a:rPr lang="en-US" sz="2200" kern="1200" dirty="0" smtClean="0"/>
-            <a:t>size 300</a:t>
-          </a:r>
-          <a:endParaRPr lang="en-US" sz="2200" kern="1200" dirty="0"/>
         </a:p>
       </dsp:txBody>
       <dsp:txXfrm rot="-5400000">
@@ -5682,7 +5436,7 @@
         </a:bodyPr>
         <a:lstStyle/>
         <a:p>
-          <a:pPr lvl="0" algn="ctr" defTabSz="355600">
+          <a:pPr marL="0" lvl="0" indent="0" algn="ctr" defTabSz="355600">
             <a:lnSpc>
               <a:spcPct val="90000"/>
             </a:lnSpc>
@@ -5692,12 +5446,12 @@
             <a:spcAft>
               <a:spcPct val="35000"/>
             </a:spcAft>
+            <a:buNone/>
           </a:pPr>
           <a:r>
-            <a:rPr lang="en-US" sz="800" kern="1200" dirty="0" smtClean="0"/>
+            <a:rPr lang="en-US" sz="800" kern="1200" dirty="0"/>
             <a:t>Canny Edge Detection </a:t>
           </a:r>
-          <a:endParaRPr lang="en-US" sz="800" kern="1200" dirty="0"/>
         </a:p>
       </dsp:txBody>
       <dsp:txXfrm rot="-5400000">
@@ -5769,13 +5523,12 @@
             <a:spcAft>
               <a:spcPct val="15000"/>
             </a:spcAft>
-            <a:buChar char="••"/>
+            <a:buChar char="•"/>
           </a:pPr>
           <a:r>
-            <a:rPr lang="en-US" sz="2200" kern="1200" dirty="0" smtClean="0"/>
+            <a:rPr lang="en-US" sz="2200" kern="1200" dirty="0"/>
             <a:t>Apply Canny function on resized image to detect edges.</a:t>
           </a:r>
-          <a:endParaRPr lang="en-US" sz="2200" kern="1200" dirty="0"/>
         </a:p>
       </dsp:txBody>
       <dsp:txXfrm rot="-5400000">
@@ -5838,7 +5591,7 @@
         </a:bodyPr>
         <a:lstStyle/>
         <a:p>
-          <a:pPr lvl="0" algn="ctr" defTabSz="355600">
+          <a:pPr marL="0" lvl="0" indent="0" algn="ctr" defTabSz="355600">
             <a:lnSpc>
               <a:spcPct val="90000"/>
             </a:lnSpc>
@@ -5848,12 +5601,12 @@
             <a:spcAft>
               <a:spcPct val="35000"/>
             </a:spcAft>
+            <a:buNone/>
           </a:pPr>
           <a:r>
-            <a:rPr lang="en-US" sz="800" kern="1200" dirty="0" smtClean="0"/>
+            <a:rPr lang="en-US" sz="800" kern="1200" dirty="0"/>
             <a:t>Find Contours</a:t>
           </a:r>
-          <a:endParaRPr lang="en-US" sz="800" kern="1200" dirty="0"/>
         </a:p>
       </dsp:txBody>
       <dsp:txXfrm rot="-5400000">
@@ -5925,29 +5678,28 @@
             <a:spcAft>
               <a:spcPct val="15000"/>
             </a:spcAft>
-            <a:buChar char="••"/>
+            <a:buChar char="•"/>
           </a:pPr>
           <a:r>
-            <a:rPr lang="en-US" sz="2200" kern="1200" dirty="0" smtClean="0"/>
+            <a:rPr lang="en-US" sz="2200" kern="1200" dirty="0"/>
             <a:t>Using </a:t>
           </a:r>
           <a:r>
-            <a:rPr lang="en-US" sz="2200" kern="1200" dirty="0" err="1" smtClean="0"/>
+            <a:rPr lang="en-US" sz="2200" kern="1200" dirty="0" err="1"/>
             <a:t>OpenCV</a:t>
           </a:r>
           <a:r>
-            <a:rPr lang="en-US" sz="2200" kern="1200" dirty="0" smtClean="0"/>
+            <a:rPr lang="en-US" sz="2200" kern="1200" dirty="0"/>
             <a:t> </a:t>
           </a:r>
           <a:r>
-            <a:rPr lang="en-US" sz="2200" kern="1200" dirty="0" err="1" smtClean="0"/>
+            <a:rPr lang="en-US" sz="2200" kern="1200" dirty="0" err="1"/>
             <a:t>findContours</a:t>
           </a:r>
           <a:r>
-            <a:rPr lang="en-US" sz="2200" kern="1200" dirty="0" smtClean="0"/>
+            <a:rPr lang="en-US" sz="2200" kern="1200" dirty="0"/>
             <a:t> to collect all image contours in the above image. </a:t>
           </a:r>
-          <a:endParaRPr lang="en-US" sz="2200" kern="1200" dirty="0"/>
         </a:p>
       </dsp:txBody>
       <dsp:txXfrm rot="-5400000">
@@ -6010,7 +5762,7 @@
         </a:bodyPr>
         <a:lstStyle/>
         <a:p>
-          <a:pPr lvl="0" algn="ctr" defTabSz="355600">
+          <a:pPr marL="0" lvl="0" indent="0" algn="ctr" defTabSz="355600">
             <a:lnSpc>
               <a:spcPct val="90000"/>
             </a:lnSpc>
@@ -6020,12 +5772,12 @@
             <a:spcAft>
               <a:spcPct val="35000"/>
             </a:spcAft>
+            <a:buNone/>
           </a:pPr>
           <a:r>
-            <a:rPr lang="en-US" sz="800" kern="1200" dirty="0" smtClean="0"/>
+            <a:rPr lang="en-US" sz="800" kern="1200" dirty="0"/>
             <a:t>Extract Original Image Crops</a:t>
           </a:r>
-          <a:endParaRPr lang="en-US" sz="800" kern="1200" dirty="0"/>
         </a:p>
       </dsp:txBody>
       <dsp:txXfrm rot="-5400000">
@@ -6097,13 +5849,12 @@
             <a:spcAft>
               <a:spcPct val="15000"/>
             </a:spcAft>
-            <a:buChar char="••"/>
+            <a:buChar char="•"/>
           </a:pPr>
           <a:r>
-            <a:rPr lang="en-US" sz="2200" kern="1200" dirty="0" smtClean="0"/>
+            <a:rPr lang="en-US" sz="2200" kern="1200" dirty="0"/>
             <a:t>Crop from the original image using the contour rectangles</a:t>
           </a:r>
-          <a:endParaRPr lang="en-US" sz="2200" kern="1200" dirty="0"/>
         </a:p>
       </dsp:txBody>
       <dsp:txXfrm rot="-5400000">
@@ -6166,7 +5917,7 @@
         </a:bodyPr>
         <a:lstStyle/>
         <a:p>
-          <a:pPr lvl="0" algn="ctr" defTabSz="355600">
+          <a:pPr marL="0" lvl="0" indent="0" algn="ctr" defTabSz="355600">
             <a:lnSpc>
               <a:spcPct val="90000"/>
             </a:lnSpc>
@@ -6176,12 +5927,12 @@
             <a:spcAft>
               <a:spcPct val="35000"/>
             </a:spcAft>
+            <a:buNone/>
           </a:pPr>
           <a:r>
-            <a:rPr lang="en-US" sz="800" kern="1200" dirty="0" smtClean="0"/>
+            <a:rPr lang="en-US" sz="800" kern="1200" dirty="0"/>
             <a:t>Predict Using SVM</a:t>
           </a:r>
-          <a:endParaRPr lang="en-US" sz="800" kern="1200" dirty="0"/>
         </a:p>
       </dsp:txBody>
       <dsp:txXfrm rot="-5400000">
@@ -6253,13 +6004,12 @@
             <a:spcAft>
               <a:spcPct val="15000"/>
             </a:spcAft>
-            <a:buChar char="••"/>
+            <a:buChar char="•"/>
           </a:pPr>
           <a:r>
-            <a:rPr lang="en-US" sz="2200" kern="1200" dirty="0" smtClean="0"/>
+            <a:rPr lang="en-US" sz="2200" kern="1200" dirty="0"/>
             <a:t>Predict the food type using the SVC and the cropped image</a:t>
           </a:r>
-          <a:endParaRPr lang="en-US" sz="2200" kern="1200" dirty="0"/>
         </a:p>
       </dsp:txBody>
       <dsp:txXfrm rot="-5400000">
@@ -6322,7 +6072,7 @@
         </a:bodyPr>
         <a:lstStyle/>
         <a:p>
-          <a:pPr lvl="0" algn="ctr" defTabSz="355600">
+          <a:pPr marL="0" lvl="0" indent="0" algn="ctr" defTabSz="355600">
             <a:lnSpc>
               <a:spcPct val="90000"/>
             </a:lnSpc>
@@ -6332,12 +6082,12 @@
             <a:spcAft>
               <a:spcPct val="35000"/>
             </a:spcAft>
+            <a:buNone/>
           </a:pPr>
           <a:r>
-            <a:rPr lang="en-US" sz="800" kern="1200" dirty="0" smtClean="0"/>
+            <a:rPr lang="en-US" sz="800" kern="1200" dirty="0"/>
             <a:t>Mark on original Image</a:t>
           </a:r>
-          <a:endParaRPr lang="en-US" sz="800" kern="1200" dirty="0"/>
         </a:p>
       </dsp:txBody>
       <dsp:txXfrm rot="-5400000">
@@ -6409,13 +6159,12 @@
             <a:spcAft>
               <a:spcPct val="15000"/>
             </a:spcAft>
-            <a:buChar char="••"/>
+            <a:buChar char="•"/>
           </a:pPr>
           <a:r>
-            <a:rPr lang="en-US" sz="2200" kern="1200" dirty="0" smtClean="0"/>
+            <a:rPr lang="en-US" sz="2200" kern="1200" dirty="0"/>
             <a:t>If the predicted cropped image is a food, mark with a rectangle on the original image</a:t>
           </a:r>
-          <a:endParaRPr lang="en-US" sz="2200" kern="1200" dirty="0"/>
         </a:p>
       </dsp:txBody>
       <dsp:txXfrm rot="-5400000">
@@ -13601,13 +13350,6 @@
   <p:clrMapOvr>
     <a:masterClrMapping/>
   </p:clrMapOvr>
-  <p:timing>
-    <p:tnLst>
-      <p:par>
-        <p:cTn id="1" dur="indefinite" restart="never" nodeType="tmRoot"/>
-      </p:par>
-    </p:tnLst>
-  </p:timing>
 </p:sld>
 </file>
 
@@ -13644,13 +13386,18 @@
             <p:ph type="title"/>
           </p:nvPr>
         </p:nvSpPr>
-        <p:spPr/>
+        <p:spPr>
+          <a:xfrm>
+            <a:off x="838200" y="365125"/>
+            <a:ext cx="10515600" cy="1325563"/>
+          </a:xfrm>
+        </p:spPr>
         <p:txBody>
           <a:bodyPr/>
           <a:lstStyle/>
           <a:p>
             <a:r>
-              <a:rPr lang="en-US" dirty="0" smtClean="0"/>
+              <a:rPr lang="en-US"/>
               <a:t>Results</a:t>
             </a:r>
             <a:endParaRPr lang="en-US" dirty="0"/>
@@ -13659,31 +13406,62 @@
       </p:sp>
       <p:pic>
         <p:nvPicPr>
-          <p:cNvPr id="4" name="Content Placeholder 3"/>
+          <p:cNvPr id="3" name="Picture 2">
+            <a:extLst>
+              <a:ext uri="{FF2B5EF4-FFF2-40B4-BE49-F238E27FC236}">
+                <a16:creationId xmlns:a16="http://schemas.microsoft.com/office/drawing/2014/main" id="{603812AB-980E-4013-8F9D-A1D13652D5CB}"/>
+              </a:ext>
+            </a:extLst>
+          </p:cNvPr>
           <p:cNvPicPr>
-            <a:picLocks noGrp="1" noChangeAspect="1"/>
+            <a:picLocks noChangeAspect="1"/>
           </p:cNvPicPr>
-          <p:nvPr>
-            <p:ph idx="1"/>
-          </p:nvPr>
+          <p:nvPr/>
         </p:nvPicPr>
         <p:blipFill>
-          <a:blip r:embed="rId2">
-            <a:extLst>
-              <a:ext uri="{28A0092B-C50C-407E-A947-70E740481C1C}">
-                <a14:useLocalDpi xmlns:a14="http://schemas.microsoft.com/office/drawing/2010/main" val="0"/>
-              </a:ext>
-            </a:extLst>
-          </a:blip>
+          <a:blip r:embed="rId2"/>
           <a:stretch>
             <a:fillRect/>
           </a:stretch>
         </p:blipFill>
         <p:spPr>
           <a:xfrm>
-            <a:off x="1776461" y="1885243"/>
-            <a:ext cx="9152950" cy="3409243"/>
+            <a:off x="6515099" y="1662113"/>
+            <a:ext cx="4758559" cy="2543175"/>
           </a:xfrm>
+          <a:prstGeom prst="rect">
+            <a:avLst/>
+          </a:prstGeom>
+        </p:spPr>
+      </p:pic>
+      <p:pic>
+        <p:nvPicPr>
+          <p:cNvPr id="7" name="Picture 6">
+            <a:extLst>
+              <a:ext uri="{FF2B5EF4-FFF2-40B4-BE49-F238E27FC236}">
+                <a16:creationId xmlns:a16="http://schemas.microsoft.com/office/drawing/2014/main" id="{1C03CDE9-9D2B-4E2E-BB9B-09323E965F3E}"/>
+              </a:ext>
+            </a:extLst>
+          </p:cNvPr>
+          <p:cNvPicPr>
+            <a:picLocks noChangeAspect="1"/>
+          </p:cNvPicPr>
+          <p:nvPr/>
+        </p:nvPicPr>
+        <p:blipFill>
+          <a:blip r:embed="rId3"/>
+          <a:stretch>
+            <a:fillRect/>
+          </a:stretch>
+        </p:blipFill>
+        <p:spPr>
+          <a:xfrm>
+            <a:off x="809625" y="1690688"/>
+            <a:ext cx="5076825" cy="2486025"/>
+          </a:xfrm>
+          <a:prstGeom prst="rect">
+            <a:avLst/>
+          </a:prstGeom>
         </p:spPr>
       </p:pic>
     </p:spTree>
@@ -13696,13 +13474,6 @@
   <p:clrMapOvr>
     <a:masterClrMapping/>
   </p:clrMapOvr>
-  <p:timing>
-    <p:tnLst>
-      <p:par>
-        <p:cTn id="1" dur="indefinite" restart="never" nodeType="tmRoot"/>
-      </p:par>
-    </p:tnLst>
-  </p:timing>
 </p:sld>
 </file>
 
@@ -13746,10 +13517,9 @@
           <a:lstStyle/>
           <a:p>
             <a:r>
-              <a:rPr lang="en-US" dirty="0" smtClean="0"/>
+              <a:rPr lang="en-US" dirty="0"/>
               <a:t>Identifying dishes in a random dining image</a:t>
             </a:r>
-            <a:endParaRPr lang="en-US" dirty="0"/>
           </a:p>
         </p:txBody>
       </p:sp>
@@ -13793,13 +13563,6 @@
   <p:clrMapOvr>
     <a:masterClrMapping/>
   </p:clrMapOvr>
-  <p:timing>
-    <p:tnLst>
-      <p:par>
-        <p:cTn id="1" dur="indefinite" restart="never" nodeType="tmRoot"/>
-      </p:par>
-    </p:tnLst>
-  </p:timing>
 </p:sld>
 </file>
 
@@ -13836,10 +13599,9 @@
           <a:lstStyle/>
           <a:p>
             <a:r>
-              <a:rPr lang="en-US" dirty="0" smtClean="0"/>
+              <a:rPr lang="en-US" dirty="0"/>
               <a:t>Results</a:t>
             </a:r>
-            <a:endParaRPr lang="en-US" dirty="0"/>
           </a:p>
         </p:txBody>
       </p:sp>
@@ -13911,13 +13673,6 @@
   <p:clrMapOvr>
     <a:masterClrMapping/>
   </p:clrMapOvr>
-  <p:timing>
-    <p:tnLst>
-      <p:par>
-        <p:cTn id="1" dur="indefinite" restart="never" nodeType="tmRoot"/>
-      </p:par>
-    </p:tnLst>
-  </p:timing>
 </p:sld>
 </file>
 
@@ -13962,10 +13717,9 @@
           <a:p>
             <a:pPr algn="ctr"/>
             <a:r>
-              <a:rPr lang="en-US" sz="11500" dirty="0" smtClean="0"/>
+              <a:rPr lang="en-US" sz="11500" dirty="0"/>
               <a:t>Thank You!</a:t>
             </a:r>
-            <a:endParaRPr lang="en-US" sz="11500" dirty="0"/>
           </a:p>
         </p:txBody>
       </p:sp>
@@ -14049,41 +13803,21 @@
           <a:lstStyle/>
           <a:p>
             <a:r>
-              <a:rPr lang="en-US" dirty="0" smtClean="0"/>
+              <a:rPr lang="en-US" dirty="0"/>
               <a:t>The objective of this project is to train the </a:t>
             </a:r>
             <a:r>
-              <a:rPr lang="en-US" dirty="0" err="1" smtClean="0"/>
+              <a:rPr lang="en-US" dirty="0" err="1"/>
               <a:t>Scikit</a:t>
             </a:r>
             <a:r>
-              <a:rPr lang="en-US" dirty="0" smtClean="0"/>
-              <a:t>-Learn classifiers with images of Entrée</a:t>
-            </a:r>
-            <a:r>
               <a:rPr lang="en-US" dirty="0"/>
-              <a:t>, Salad and </a:t>
-            </a:r>
-            <a:r>
-              <a:rPr lang="en-US" dirty="0" smtClean="0"/>
-              <a:t>Dessert dishes and be able to predict if a given image is </a:t>
-            </a:r>
-            <a:r>
-              <a:rPr lang="en-US" dirty="0"/>
-              <a:t>an Entrée, Salad </a:t>
-            </a:r>
-            <a:r>
-              <a:rPr lang="en-US" dirty="0" smtClean="0"/>
-              <a:t>or </a:t>
-            </a:r>
-            <a:r>
-              <a:rPr lang="en-US" dirty="0"/>
-              <a:t>Dessert.</a:t>
+              <a:t>-Learn classifiers with images of Entrée, Salad and Dessert dishes and be able to predict if a given image is an Entrée, Salad or Dessert.</a:t>
             </a:r>
           </a:p>
           <a:p>
             <a:r>
-              <a:rPr lang="en-US" dirty="0" smtClean="0"/>
+              <a:rPr lang="en-US" dirty="0"/>
               <a:t>The second part of the project is to take any arbitrary image with different food servings on a table and then mark sections of the image containing food. </a:t>
             </a:r>
           </a:p>
@@ -14099,13 +13833,6 @@
   <p:clrMapOvr>
     <a:masterClrMapping/>
   </p:clrMapOvr>
-  <p:timing>
-    <p:tnLst>
-      <p:par>
-        <p:cTn id="1" dur="indefinite" restart="never" nodeType="tmRoot"/>
-      </p:par>
-    </p:tnLst>
-  </p:timing>
 </p:sld>
 </file>
 
@@ -14142,10 +13869,9 @@
           <a:lstStyle/>
           <a:p>
             <a:r>
-              <a:rPr lang="en-US" dirty="0" smtClean="0"/>
+              <a:rPr lang="en-US" dirty="0"/>
               <a:t>Test Data</a:t>
             </a:r>
-            <a:endParaRPr lang="en-US" dirty="0"/>
           </a:p>
         </p:txBody>
       </p:sp>
@@ -14165,24 +13891,23 @@
           <a:lstStyle/>
           <a:p>
             <a:r>
-              <a:rPr lang="en-US" dirty="0" smtClean="0"/>
+              <a:rPr lang="en-US" dirty="0"/>
               <a:t>We have collected 100 images each of Entrée, Dessert and Salad from various cuisines from publicly available images.</a:t>
             </a:r>
           </a:p>
           <a:p>
             <a:r>
-              <a:rPr lang="en-US" dirty="0" smtClean="0"/>
+              <a:rPr lang="en-US" dirty="0"/>
               <a:t>We have used 100 random images of empty plates, and other images as negative images to train the </a:t>
             </a:r>
             <a:r>
-              <a:rPr lang="en-US" dirty="0" err="1" smtClean="0"/>
+              <a:rPr lang="en-US" dirty="0" err="1"/>
               <a:t>Scikit</a:t>
             </a:r>
             <a:r>
-              <a:rPr lang="en-US" dirty="0" smtClean="0"/>
+              <a:rPr lang="en-US" dirty="0"/>
               <a:t>-Learn classifier for negative cases.</a:t>
             </a:r>
-            <a:endParaRPr lang="en-US" dirty="0"/>
           </a:p>
         </p:txBody>
       </p:sp>
@@ -14196,13 +13921,6 @@
   <p:clrMapOvr>
     <a:masterClrMapping/>
   </p:clrMapOvr>
-  <p:timing>
-    <p:tnLst>
-      <p:par>
-        <p:cTn id="1" dur="indefinite" restart="never" nodeType="tmRoot"/>
-      </p:par>
-    </p:tnLst>
-  </p:timing>
 </p:sld>
 </file>
 
@@ -14245,18 +13963,17 @@
           <a:lstStyle/>
           <a:p>
             <a:r>
-              <a:rPr lang="en-US" dirty="0" smtClean="0"/>
+              <a:rPr lang="en-US" dirty="0"/>
               <a:t>Classifying images of food using </a:t>
             </a:r>
             <a:r>
-              <a:rPr lang="en-US" dirty="0" err="1" smtClean="0"/>
+              <a:rPr lang="en-US" dirty="0" err="1"/>
               <a:t>Scikit</a:t>
             </a:r>
             <a:r>
-              <a:rPr lang="en-US" dirty="0" smtClean="0"/>
+              <a:rPr lang="en-US" dirty="0"/>
               <a:t>-Learn</a:t>
             </a:r>
-            <a:endParaRPr lang="en-US" dirty="0"/>
           </a:p>
         </p:txBody>
       </p:sp>
@@ -14286,16 +14003,8 @@
               <a:buAutoNum type="arabicPeriod"/>
             </a:pPr>
             <a:r>
-              <a:rPr lang="en-US" dirty="0" smtClean="0"/>
-              <a:t>Supervised Learning</a:t>
-            </a:r>
-            <a:r>
               <a:rPr lang="en-US" dirty="0"/>
-              <a:t> </a:t>
-            </a:r>
-            <a:r>
-              <a:rPr lang="en-US" dirty="0" smtClean="0"/>
-              <a:t>– SVM/SVC classifier was used as the supervised learner to train and predict randomized sample images of Entrée, Salad and Dessert.</a:t>
+              <a:t>Supervised Learning – SVM/SVC classifier was used as the supervised learner to train and predict randomized sample images of Entrée, Salad and Dessert.</a:t>
             </a:r>
           </a:p>
           <a:p>
@@ -14304,15 +14013,15 @@
               <a:buAutoNum type="arabicPeriod"/>
             </a:pPr>
             <a:r>
-              <a:rPr lang="en-US" dirty="0" smtClean="0"/>
+              <a:rPr lang="en-US" dirty="0"/>
               <a:t>Unsupervised Learning – </a:t>
             </a:r>
             <a:r>
-              <a:rPr lang="en-US" dirty="0" err="1" smtClean="0"/>
+              <a:rPr lang="en-US" dirty="0" err="1"/>
               <a:t>KMeans</a:t>
             </a:r>
             <a:r>
-              <a:rPr lang="en-US" dirty="0" smtClean="0"/>
+              <a:rPr lang="en-US" dirty="0"/>
               <a:t> classifier was used as the unsupervised learner to train the same images samples without labels.</a:t>
             </a:r>
           </a:p>
@@ -14328,13 +14037,6 @@
   <p:clrMapOvr>
     <a:masterClrMapping/>
   </p:clrMapOvr>
-  <p:timing>
-    <p:tnLst>
-      <p:par>
-        <p:cTn id="1" dur="indefinite" restart="never" nodeType="tmRoot"/>
-      </p:par>
-    </p:tnLst>
-  </p:timing>
 </p:sld>
 </file>
 
@@ -14377,10 +14079,9 @@
           <a:lstStyle/>
           <a:p>
             <a:r>
-              <a:rPr lang="en-US" dirty="0" smtClean="0"/>
+              <a:rPr lang="en-US" dirty="0"/>
               <a:t>Image preprocessing</a:t>
             </a:r>
-            <a:endParaRPr lang="en-US" dirty="0"/>
           </a:p>
         </p:txBody>
       </p:sp>
@@ -14410,7 +14111,7 @@
               <a:buAutoNum type="arabicPeriod"/>
             </a:pPr>
             <a:r>
-              <a:rPr lang="en-US" dirty="0" smtClean="0"/>
+              <a:rPr lang="en-US" dirty="0"/>
               <a:t>We have used various image processing techniques before training and testing the classifiers.</a:t>
             </a:r>
           </a:p>
@@ -14420,7 +14121,7 @@
               <a:buAutoNum type="arabicPeriod"/>
             </a:pPr>
             <a:r>
-              <a:rPr lang="en-US" dirty="0" smtClean="0"/>
+              <a:rPr lang="en-US" dirty="0"/>
               <a:t>Image Resizing – All training sample images were resized to 80x80 pixels.</a:t>
             </a:r>
           </a:p>
@@ -14430,15 +14131,15 @@
               <a:buAutoNum type="arabicPeriod"/>
             </a:pPr>
             <a:r>
-              <a:rPr lang="en-US" dirty="0" smtClean="0"/>
+              <a:rPr lang="en-US" dirty="0"/>
               <a:t>Binary </a:t>
             </a:r>
             <a:r>
-              <a:rPr lang="en-US" dirty="0" err="1" smtClean="0"/>
+              <a:rPr lang="en-US" dirty="0" err="1"/>
               <a:t>Thresholding</a:t>
             </a:r>
             <a:r>
-              <a:rPr lang="en-US" dirty="0" smtClean="0"/>
+              <a:rPr lang="en-US" dirty="0"/>
               <a:t> – All pixel values greater than a given threshold value were set to a fixed value. This was used to mask backgrounds in images that is not part of food.</a:t>
             </a:r>
           </a:p>
@@ -14448,7 +14149,7 @@
               <a:buAutoNum type="arabicPeriod"/>
             </a:pPr>
             <a:r>
-              <a:rPr lang="en-US" dirty="0" smtClean="0"/>
+              <a:rPr lang="en-US" dirty="0"/>
               <a:t>Canny - function used for edge detection</a:t>
             </a:r>
           </a:p>
@@ -14458,7 +14159,7 @@
               <a:buAutoNum type="arabicPeriod"/>
             </a:pPr>
             <a:r>
-              <a:rPr lang="en-US" dirty="0" smtClean="0"/>
+              <a:rPr lang="en-US" dirty="0"/>
               <a:t>Contour Detection – was used to separate out different dishes in a given dining table image with different food servings.</a:t>
             </a:r>
           </a:p>
@@ -14468,7 +14169,7 @@
               <a:buAutoNum type="arabicPeriod"/>
             </a:pPr>
             <a:r>
-              <a:rPr lang="en-US" dirty="0" smtClean="0"/>
+              <a:rPr lang="en-US" dirty="0"/>
               <a:t>HOG – Feature descriptor to convert image data into histogram data.</a:t>
             </a:r>
           </a:p>
@@ -14484,13 +14185,6 @@
   <p:clrMapOvr>
     <a:masterClrMapping/>
   </p:clrMapOvr>
-  <p:timing>
-    <p:tnLst>
-      <p:par>
-        <p:cTn id="1" dur="indefinite" restart="never" nodeType="tmRoot"/>
-      </p:par>
-    </p:tnLst>
-  </p:timing>
 </p:sld>
 </file>
 
@@ -14687,13 +14381,6 @@
   <p:clrMapOvr>
     <a:masterClrMapping/>
   </p:clrMapOvr>
-  <p:timing>
-    <p:tnLst>
-      <p:par>
-        <p:cTn id="1" dur="indefinite" restart="never" nodeType="tmRoot"/>
-      </p:par>
-    </p:tnLst>
-  </p:timing>
 </p:sld>
 </file>
 
@@ -14738,11 +14425,11 @@
           <a:lstStyle/>
           <a:p>
             <a:r>
-              <a:rPr lang="en-US" sz="4000" dirty="0" smtClean="0"/>
+              <a:rPr lang="en-US" sz="4000" dirty="0"/>
               <a:t>Unsupervised Image Classification Using </a:t>
             </a:r>
             <a:r>
-              <a:rPr lang="en-US" sz="4000" dirty="0" err="1" smtClean="0"/>
+              <a:rPr lang="en-US" sz="4000" dirty="0" err="1"/>
               <a:t>KMeans</a:t>
             </a:r>
             <a:endParaRPr lang="en-US" sz="4000" dirty="0"/>
@@ -14790,13 +14477,6 @@
   <p:clrMapOvr>
     <a:masterClrMapping/>
   </p:clrMapOvr>
-  <p:timing>
-    <p:tnLst>
-      <p:par>
-        <p:cTn id="1" dur="indefinite" restart="never" nodeType="tmRoot"/>
-      </p:par>
-    </p:tnLst>
-  </p:timing>
 </p:sld>
 </file>
 
@@ -15187,13 +14867,6 @@
   <p:clrMapOvr>
     <a:masterClrMapping/>
   </p:clrMapOvr>
-  <p:timing>
-    <p:tnLst>
-      <p:par>
-        <p:cTn id="1" dur="indefinite" restart="never" nodeType="tmRoot"/>
-      </p:par>
-    </p:tnLst>
-  </p:timing>
 </p:sld>
 </file>
 
@@ -15232,12 +14905,14 @@
         </p:nvSpPr>
         <p:spPr/>
         <p:txBody>
-          <a:bodyPr/>
+          <a:bodyPr>
+            <a:normAutofit/>
+          </a:bodyPr>
           <a:lstStyle/>
           <a:p>
             <a:r>
-              <a:rPr lang="en-US" dirty="0"/>
-              <a:t>Supervised Image Classification Using SVC</a:t>
+              <a:rPr lang="en-US" sz="3200" b="1" dirty="0"/>
+              <a:t>Supervised Image Classification Using SVC/Gradient Boosting</a:t>
             </a:r>
           </a:p>
         </p:txBody>
@@ -15258,7 +14933,7 @@
             <p:ph idx="1"/>
             <p:extLst>
               <p:ext uri="{D42A27DB-BD31-4B8C-83A1-F6EECF244321}">
-                <p14:modId xmlns:p14="http://schemas.microsoft.com/office/powerpoint/2010/main" val="3117730817"/>
+                <p14:modId xmlns:p14="http://schemas.microsoft.com/office/powerpoint/2010/main" val="3000418015"/>
               </p:ext>
             </p:extLst>
           </p:nvPr>
@@ -15283,13 +14958,6 @@
   <p:clrMapOvr>
     <a:masterClrMapping/>
   </p:clrMapOvr>
-  <p:timing>
-    <p:tnLst>
-      <p:par>
-        <p:cTn id="1" dur="indefinite" restart="never" nodeType="tmRoot"/>
-      </p:par>
-    </p:tnLst>
-  </p:timing>
 </p:sld>
 </file>
 
